--- a/day 3/SAC_Training Day 3.pptx
+++ b/day 3/SAC_Training Day 3.pptx
@@ -6,7 +6,7 @@
     <p:sldMasterId id="2147483660" r:id="rId2"/>
   </p:sldMasterIdLst>
   <p:notesMasterIdLst>
-    <p:notesMasterId r:id="rId13"/>
+    <p:notesMasterId r:id="rId12"/>
   </p:notesMasterIdLst>
   <p:sldIdLst>
     <p:sldId id="256" r:id="rId3"/>
@@ -16,9 +16,8 @@
     <p:sldId id="476" r:id="rId7"/>
     <p:sldId id="425" r:id="rId8"/>
     <p:sldId id="462" r:id="rId9"/>
-    <p:sldId id="475" r:id="rId10"/>
-    <p:sldId id="399" r:id="rId11"/>
-    <p:sldId id="409" r:id="rId12"/>
+    <p:sldId id="399" r:id="rId10"/>
+    <p:sldId id="409" r:id="rId11"/>
   </p:sldIdLst>
   <p:sldSz cx="12192000" cy="6858000"/>
   <p:notesSz cx="6858000" cy="9144000"/>
@@ -207,7 +206,7 @@
           <a:p>
             <a:fld id="{4AF2A06D-4991-4208-8C88-4E8BAD69A8B8}" type="datetimeFigureOut">
               <a:rPr lang="en-US" smtClean="0"/>
-              <a:t>11/16/2021</a:t>
+              <a:t>1/9/2022</a:t>
             </a:fld>
             <a:endParaRPr lang="en-US"/>
           </a:p>
@@ -670,7 +669,7 @@
                 <a:tabLst/>
                 <a:defRPr/>
               </a:pPr>
-              <a:t>10</a:t>
+              <a:t>9</a:t>
             </a:fld>
             <a:endParaRPr kumimoji="0" lang="en-US" sz="1200" b="0" i="0" u="none" strike="noStrike" kern="1200" cap="none" spc="0" normalizeH="0" baseline="0" noProof="0">
               <a:ln>
@@ -831,7 +830,7 @@
           <a:p>
             <a:fld id="{E26E0DA5-0C76-4851-AA82-0B75261F9EB4}" type="datetimeFigureOut">
               <a:rPr lang="en-US" smtClean="0"/>
-              <a:t>11/16/2021</a:t>
+              <a:t>1/9/2022</a:t>
             </a:fld>
             <a:endParaRPr lang="en-US"/>
           </a:p>
@@ -999,7 +998,7 @@
           <a:p>
             <a:fld id="{E26E0DA5-0C76-4851-AA82-0B75261F9EB4}" type="datetimeFigureOut">
               <a:rPr lang="en-US" smtClean="0"/>
-              <a:t>11/16/2021</a:t>
+              <a:t>1/9/2022</a:t>
             </a:fld>
             <a:endParaRPr lang="en-US"/>
           </a:p>
@@ -1177,7 +1176,7 @@
           <a:p>
             <a:fld id="{E26E0DA5-0C76-4851-AA82-0B75261F9EB4}" type="datetimeFigureOut">
               <a:rPr lang="en-US" smtClean="0"/>
-              <a:t>11/16/2021</a:t>
+              <a:t>1/9/2022</a:t>
             </a:fld>
             <a:endParaRPr lang="en-US"/>
           </a:p>
@@ -1504,7 +1503,7 @@
             <a:fld id="{9578D6DB-6798-42D2-B9AD-FC6F1C72FC30}" type="datetimeFigureOut">
               <a:rPr lang="en-US" smtClean="0"/>
               <a:pPr/>
-              <a:t>11/16/2021</a:t>
+              <a:t>1/9/2022</a:t>
             </a:fld>
             <a:endParaRPr lang="en-US"/>
           </a:p>
@@ -1746,7 +1745,7 @@
             <a:fld id="{425404F2-BE9A-4460-8815-8F645183555F}" type="datetimeFigureOut">
               <a:rPr lang="en-US" smtClean="0"/>
               <a:pPr/>
-              <a:t>11/16/2021</a:t>
+              <a:t>1/9/2022</a:t>
             </a:fld>
             <a:endParaRPr lang="en-US"/>
           </a:p>
@@ -1874,7 +1873,7 @@
             <a:fld id="{425404F2-BE9A-4460-8815-8F645183555F}" type="datetimeFigureOut">
               <a:rPr lang="en-US" smtClean="0"/>
               <a:pPr/>
-              <a:t>11/16/2021</a:t>
+              <a:t>1/9/2022</a:t>
             </a:fld>
             <a:endParaRPr lang="en-US"/>
           </a:p>
@@ -2124,7 +2123,7 @@
             <a:fld id="{425404F2-BE9A-4460-8815-8F645183555F}" type="datetimeFigureOut">
               <a:rPr lang="en-US" smtClean="0"/>
               <a:pPr/>
-              <a:t>11/16/2021</a:t>
+              <a:t>1/9/2022</a:t>
             </a:fld>
             <a:endParaRPr lang="en-US"/>
           </a:p>
@@ -2294,7 +2293,7 @@
             <a:fld id="{425404F2-BE9A-4460-8815-8F645183555F}" type="datetimeFigureOut">
               <a:rPr lang="en-US" smtClean="0"/>
               <a:pPr/>
-              <a:t>11/16/2021</a:t>
+              <a:t>1/9/2022</a:t>
             </a:fld>
             <a:endParaRPr lang="en-US"/>
           </a:p>
@@ -2581,7 +2580,7 @@
             <a:fld id="{425404F2-BE9A-4460-8815-8F645183555F}" type="datetimeFigureOut">
               <a:rPr lang="en-US" smtClean="0"/>
               <a:pPr/>
-              <a:t>11/16/2021</a:t>
+              <a:t>1/9/2022</a:t>
             </a:fld>
             <a:endParaRPr lang="en-US"/>
           </a:p>
@@ -3002,7 +3001,7 @@
             <a:fld id="{425404F2-BE9A-4460-8815-8F645183555F}" type="datetimeFigureOut">
               <a:rPr lang="en-US" smtClean="0"/>
               <a:pPr/>
-              <a:t>11/16/2021</a:t>
+              <a:t>1/9/2022</a:t>
             </a:fld>
             <a:endParaRPr lang="en-US"/>
           </a:p>
@@ -3127,7 +3126,7 @@
             <a:fld id="{425404F2-BE9A-4460-8815-8F645183555F}" type="datetimeFigureOut">
               <a:rPr lang="en-US" smtClean="0"/>
               <a:pPr/>
-              <a:t>11/16/2021</a:t>
+              <a:t>1/9/2022</a:t>
             </a:fld>
             <a:endParaRPr lang="en-US"/>
           </a:p>
@@ -3353,7 +3352,7 @@
           <a:p>
             <a:fld id="{E26E0DA5-0C76-4851-AA82-0B75261F9EB4}" type="datetimeFigureOut">
               <a:rPr lang="en-US" smtClean="0"/>
-              <a:t>11/16/2021</a:t>
+              <a:t>1/9/2022</a:t>
             </a:fld>
             <a:endParaRPr lang="en-US"/>
           </a:p>
@@ -3477,7 +3476,7 @@
             <a:fld id="{425404F2-BE9A-4460-8815-8F645183555F}" type="datetimeFigureOut">
               <a:rPr lang="en-US" smtClean="0"/>
               <a:pPr/>
-              <a:t>11/16/2021</a:t>
+              <a:t>1/9/2022</a:t>
             </a:fld>
             <a:endParaRPr lang="en-US"/>
           </a:p>
@@ -4024,7 +4023,7 @@
             <a:fld id="{425404F2-BE9A-4460-8815-8F645183555F}" type="datetimeFigureOut">
               <a:rPr lang="en-US" smtClean="0"/>
               <a:pPr/>
-              <a:t>11/16/2021</a:t>
+              <a:t>1/9/2022</a:t>
             </a:fld>
             <a:endParaRPr lang="en-US"/>
           </a:p>
@@ -4172,7 +4171,7 @@
             <a:fld id="{425404F2-BE9A-4460-8815-8F645183555F}" type="datetimeFigureOut">
               <a:rPr lang="en-US" smtClean="0"/>
               <a:pPr/>
-              <a:t>11/16/2021</a:t>
+              <a:t>1/9/2022</a:t>
             </a:fld>
             <a:endParaRPr lang="en-US"/>
           </a:p>
@@ -4405,7 +4404,7 @@
             <a:fld id="{425404F2-BE9A-4460-8815-8F645183555F}" type="datetimeFigureOut">
               <a:rPr lang="en-US" smtClean="0"/>
               <a:pPr/>
-              <a:t>11/16/2021</a:t>
+              <a:t>1/9/2022</a:t>
             </a:fld>
             <a:endParaRPr lang="en-US"/>
           </a:p>
@@ -4643,7 +4642,7 @@
             <a:fld id="{425404F2-BE9A-4460-8815-8F645183555F}" type="datetimeFigureOut">
               <a:rPr lang="en-US" smtClean="0"/>
               <a:pPr/>
-              <a:t>11/16/2021</a:t>
+              <a:t>1/9/2022</a:t>
             </a:fld>
             <a:endParaRPr lang="en-US"/>
           </a:p>
@@ -4825,7 +4824,7 @@
             <a:fld id="{425404F2-BE9A-4460-8815-8F645183555F}" type="datetimeFigureOut">
               <a:rPr lang="en-US" smtClean="0"/>
               <a:pPr/>
-              <a:t>11/16/2021</a:t>
+              <a:t>1/9/2022</a:t>
             </a:fld>
             <a:endParaRPr lang="en-US"/>
           </a:p>
@@ -5102,7 +5101,7 @@
             <a:fld id="{425404F2-BE9A-4460-8815-8F645183555F}" type="datetimeFigureOut">
               <a:rPr lang="en-US" smtClean="0"/>
               <a:pPr/>
-              <a:t>11/16/2021</a:t>
+              <a:t>1/9/2022</a:t>
             </a:fld>
             <a:endParaRPr lang="en-US"/>
           </a:p>
@@ -5356,7 +5355,7 @@
             <a:fld id="{425404F2-BE9A-4460-8815-8F645183555F}" type="datetimeFigureOut">
               <a:rPr lang="en-US" smtClean="0"/>
               <a:pPr/>
-              <a:t>11/16/2021</a:t>
+              <a:t>1/9/2022</a:t>
             </a:fld>
             <a:endParaRPr lang="en-US"/>
           </a:p>
@@ -5526,7 +5525,7 @@
             <a:fld id="{425404F2-BE9A-4460-8815-8F645183555F}" type="datetimeFigureOut">
               <a:rPr lang="en-US" smtClean="0"/>
               <a:pPr/>
-              <a:t>11/16/2021</a:t>
+              <a:t>1/9/2022</a:t>
             </a:fld>
             <a:endParaRPr lang="en-US"/>
           </a:p>
@@ -5706,7 +5705,7 @@
             <a:fld id="{425404F2-BE9A-4460-8815-8F645183555F}" type="datetimeFigureOut">
               <a:rPr lang="en-US" smtClean="0"/>
               <a:pPr/>
-              <a:t>11/16/2021</a:t>
+              <a:t>1/9/2022</a:t>
             </a:fld>
             <a:endParaRPr lang="en-US"/>
           </a:p>
@@ -5952,7 +5951,7 @@
           <a:p>
             <a:fld id="{E26E0DA5-0C76-4851-AA82-0B75261F9EB4}" type="datetimeFigureOut">
               <a:rPr lang="en-US" smtClean="0"/>
-              <a:t>11/16/2021</a:t>
+              <a:t>1/9/2022</a:t>
             </a:fld>
             <a:endParaRPr lang="en-US"/>
           </a:p>
@@ -6181,7 +6180,7 @@
           <a:p>
             <a:fld id="{E26E0DA5-0C76-4851-AA82-0B75261F9EB4}" type="datetimeFigureOut">
               <a:rPr lang="en-US" smtClean="0"/>
-              <a:t>11/16/2021</a:t>
+              <a:t>1/9/2022</a:t>
             </a:fld>
             <a:endParaRPr lang="en-US"/>
           </a:p>
@@ -6545,7 +6544,7 @@
           <a:p>
             <a:fld id="{E26E0DA5-0C76-4851-AA82-0B75261F9EB4}" type="datetimeFigureOut">
               <a:rPr lang="en-US" smtClean="0"/>
-              <a:t>11/16/2021</a:t>
+              <a:t>1/9/2022</a:t>
             </a:fld>
             <a:endParaRPr lang="en-US"/>
           </a:p>
@@ -6662,7 +6661,7 @@
           <a:p>
             <a:fld id="{E26E0DA5-0C76-4851-AA82-0B75261F9EB4}" type="datetimeFigureOut">
               <a:rPr lang="en-US" smtClean="0"/>
-              <a:t>11/16/2021</a:t>
+              <a:t>1/9/2022</a:t>
             </a:fld>
             <a:endParaRPr lang="en-US"/>
           </a:p>
@@ -6757,7 +6756,7 @@
           <a:p>
             <a:fld id="{E26E0DA5-0C76-4851-AA82-0B75261F9EB4}" type="datetimeFigureOut">
               <a:rPr lang="en-US" smtClean="0"/>
-              <a:t>11/16/2021</a:t>
+              <a:t>1/9/2022</a:t>
             </a:fld>
             <a:endParaRPr lang="en-US"/>
           </a:p>
@@ -7032,7 +7031,7 @@
           <a:p>
             <a:fld id="{E26E0DA5-0C76-4851-AA82-0B75261F9EB4}" type="datetimeFigureOut">
               <a:rPr lang="en-US" smtClean="0"/>
-              <a:t>11/16/2021</a:t>
+              <a:t>1/9/2022</a:t>
             </a:fld>
             <a:endParaRPr lang="en-US"/>
           </a:p>
@@ -7284,7 +7283,7 @@
           <a:p>
             <a:fld id="{E26E0DA5-0C76-4851-AA82-0B75261F9EB4}" type="datetimeFigureOut">
               <a:rPr lang="en-US" smtClean="0"/>
-              <a:t>11/16/2021</a:t>
+              <a:t>1/9/2022</a:t>
             </a:fld>
             <a:endParaRPr lang="en-US"/>
           </a:p>
@@ -7495,7 +7494,7 @@
           <a:p>
             <a:fld id="{E26E0DA5-0C76-4851-AA82-0B75261F9EB4}" type="datetimeFigureOut">
               <a:rPr lang="en-US" smtClean="0"/>
-              <a:t>11/16/2021</a:t>
+              <a:t>1/9/2022</a:t>
             </a:fld>
             <a:endParaRPr lang="en-US"/>
           </a:p>
@@ -8052,7 +8051,7 @@
             <a:fld id="{425404F2-BE9A-4460-8815-8F645183555F}" type="datetimeFigureOut">
               <a:rPr lang="en-US" smtClean="0"/>
               <a:pPr/>
-              <a:t>11/16/2021</a:t>
+              <a:t>1/9/2022</a:t>
             </a:fld>
             <a:endParaRPr lang="en-US"/>
           </a:p>
@@ -8613,7 +8612,7 @@
         <p:spPr>
           <a:xfrm>
             <a:off x="187367" y="2062424"/>
-            <a:ext cx="6629399" cy="1754326"/>
+            <a:ext cx="6629399" cy="1200329"/>
           </a:xfrm>
           <a:prstGeom prst="rect">
             <a:avLst/>
@@ -8650,22 +8649,15 @@
                   <a:schemeClr val="bg1"/>
                 </a:solidFill>
               </a:rPr>
-              <a:t>Shubham Singh</a:t>
-            </a:r>
-            <a:endParaRPr lang="en-US" sz="3600" spc="-150" dirty="0">
-              <a:solidFill>
-                <a:schemeClr val="bg1"/>
-              </a:solidFill>
-            </a:endParaRPr>
-          </a:p>
-          <a:p>
+              <a:t>Day </a:t>
+            </a:r>
             <a:r>
               <a:rPr lang="en-US" sz="3600" spc="-150" dirty="0">
                 <a:solidFill>
                   <a:schemeClr val="bg1"/>
                 </a:solidFill>
               </a:rPr>
-              <a:t>Day 3</a:t>
+              <a:t>3</a:t>
             </a:r>
           </a:p>
         </p:txBody>
@@ -8695,7 +8687,2225 @@
 </p:sld>
 </file>
 
-<file path=ppt/slides/slide10.xml><?xml version="1.0" encoding="utf-8"?>
+<file path=ppt/slides/slide2.xml><?xml version="1.0" encoding="utf-8"?>
+<p:sld xmlns:a="http://schemas.openxmlformats.org/drawingml/2006/main" xmlns:r="http://schemas.openxmlformats.org/officeDocument/2006/relationships" xmlns:p="http://schemas.openxmlformats.org/presentationml/2006/main">
+  <p:cSld>
+    <p:spTree>
+      <p:nvGrpSpPr>
+        <p:cNvPr id="1" name=""/>
+        <p:cNvGrpSpPr/>
+        <p:nvPr/>
+      </p:nvGrpSpPr>
+      <p:grpSpPr>
+        <a:xfrm>
+          <a:off x="0" y="0"/>
+          <a:ext cx="0" cy="0"/>
+          <a:chOff x="0" y="0"/>
+          <a:chExt cx="0" cy="0"/>
+        </a:xfrm>
+      </p:grpSpPr>
+      <p:sp>
+        <p:nvSpPr>
+          <p:cNvPr id="2" name="Title 3">
+            <a:extLst>
+              <a:ext uri="{FF2B5EF4-FFF2-40B4-BE49-F238E27FC236}">
+                <a16:creationId xmlns:a16="http://schemas.microsoft.com/office/drawing/2014/main" id="{F07FC580-E2AB-4C55-8C95-D5E077A1D127}"/>
+              </a:ext>
+            </a:extLst>
+          </p:cNvPr>
+          <p:cNvSpPr txBox="1">
+            <a:spLocks/>
+          </p:cNvSpPr>
+          <p:nvPr/>
+        </p:nvSpPr>
+        <p:spPr>
+          <a:xfrm>
+            <a:off x="261764" y="188640"/>
+            <a:ext cx="11292008" cy="711081"/>
+          </a:xfrm>
+          <a:prstGeom prst="rect">
+            <a:avLst/>
+          </a:prstGeom>
+        </p:spPr>
+        <p:txBody>
+          <a:bodyPr/>
+          <a:lstStyle>
+            <a:lvl1pPr algn="l" defTabSz="914400" rtl="0" eaLnBrk="1" latinLnBrk="0" hangingPunct="1">
+              <a:lnSpc>
+                <a:spcPct val="90000"/>
+              </a:lnSpc>
+              <a:spcBef>
+                <a:spcPct val="0"/>
+              </a:spcBef>
+              <a:buNone/>
+              <a:defRPr sz="4400" kern="1200">
+                <a:solidFill>
+                  <a:schemeClr val="tx1"/>
+                </a:solidFill>
+                <a:latin typeface="+mj-lt"/>
+                <a:ea typeface="+mj-ea"/>
+                <a:cs typeface="+mj-cs"/>
+              </a:defRPr>
+            </a:lvl1pPr>
+          </a:lstStyle>
+          <a:p>
+            <a:pPr marL="0" marR="0" lvl="0" indent="0" algn="l" defTabSz="914400" rtl="0" eaLnBrk="1" fontAlgn="auto" latinLnBrk="0" hangingPunct="1">
+              <a:lnSpc>
+                <a:spcPct val="90000"/>
+              </a:lnSpc>
+              <a:spcBef>
+                <a:spcPct val="0"/>
+              </a:spcBef>
+              <a:spcAft>
+                <a:spcPts val="0"/>
+              </a:spcAft>
+              <a:buClrTx/>
+              <a:buSzTx/>
+              <a:buFontTx/>
+              <a:buNone/>
+              <a:tabLst/>
+              <a:defRPr/>
+            </a:pPr>
+            <a:r>
+              <a:rPr kumimoji="0" lang="en-US" sz="4400" b="1" i="0" u="none" strike="noStrike" kern="1200" cap="none" spc="0" normalizeH="0" baseline="0" noProof="0" dirty="0">
+                <a:ln>
+                  <a:noFill/>
+                </a:ln>
+                <a:solidFill>
+                  <a:prstClr val="black"/>
+                </a:solidFill>
+                <a:effectLst/>
+                <a:uLnTx/>
+                <a:uFillTx/>
+                <a:latin typeface="Calibri Light" panose="020F0302020204030204"/>
+                <a:ea typeface="+mj-ea"/>
+                <a:cs typeface="+mj-cs"/>
+              </a:rPr>
+              <a:t>Agenda – Day 3</a:t>
+            </a:r>
+          </a:p>
+        </p:txBody>
+      </p:sp>
+      <p:sp>
+        <p:nvSpPr>
+          <p:cNvPr id="4" name="Footer Placeholder 45">
+            <a:extLst>
+              <a:ext uri="{FF2B5EF4-FFF2-40B4-BE49-F238E27FC236}">
+                <a16:creationId xmlns:a16="http://schemas.microsoft.com/office/drawing/2014/main" id="{90E33047-DFF5-4690-8905-31E4C115EFDC}"/>
+              </a:ext>
+            </a:extLst>
+          </p:cNvPr>
+          <p:cNvSpPr>
+            <a:spLocks noGrp="1"/>
+          </p:cNvSpPr>
+          <p:nvPr>
+            <p:ph type="ftr" sz="quarter" idx="11"/>
+          </p:nvPr>
+        </p:nvSpPr>
+        <p:spPr>
+          <a:xfrm>
+            <a:off x="10123055" y="6548582"/>
+            <a:ext cx="2225295" cy="203620"/>
+          </a:xfrm>
+        </p:spPr>
+        <p:txBody>
+          <a:bodyPr/>
+          <a:lstStyle/>
+          <a:p>
+            <a:pPr marL="0" marR="0" lvl="0" indent="0" algn="ctr" defTabSz="914400" rtl="0" eaLnBrk="1" fontAlgn="auto" latinLnBrk="0" hangingPunct="1">
+              <a:lnSpc>
+                <a:spcPct val="100000"/>
+              </a:lnSpc>
+              <a:spcBef>
+                <a:spcPts val="0"/>
+              </a:spcBef>
+              <a:spcAft>
+                <a:spcPts val="0"/>
+              </a:spcAft>
+              <a:buClrTx/>
+              <a:buSzTx/>
+              <a:buFontTx/>
+              <a:buNone/>
+              <a:tabLst/>
+              <a:defRPr/>
+            </a:pPr>
+            <a:r>
+              <a:rPr kumimoji="0" lang="en-US" sz="1200" b="1" i="0" u="none" strike="noStrike" kern="1200" cap="none" spc="0" normalizeH="0" baseline="0" noProof="0" dirty="0">
+                <a:ln>
+                  <a:noFill/>
+                </a:ln>
+                <a:solidFill>
+                  <a:prstClr val="black"/>
+                </a:solidFill>
+                <a:effectLst/>
+                <a:uLnTx/>
+                <a:uFillTx/>
+                <a:latin typeface="Calibri" panose="020F0502020204030204"/>
+                <a:ea typeface="+mn-ea"/>
+                <a:cs typeface="+mn-cs"/>
+              </a:rPr>
+              <a:t>Anubhav trainings</a:t>
+            </a:r>
+          </a:p>
+        </p:txBody>
+      </p:sp>
+      <p:sp>
+        <p:nvSpPr>
+          <p:cNvPr id="5" name="TextBox 4">
+            <a:extLst>
+              <a:ext uri="{FF2B5EF4-FFF2-40B4-BE49-F238E27FC236}">
+                <a16:creationId xmlns:a16="http://schemas.microsoft.com/office/drawing/2014/main" id="{27E5B41D-1DDF-48C9-A5AF-075F84492B68}"/>
+              </a:ext>
+            </a:extLst>
+          </p:cNvPr>
+          <p:cNvSpPr txBox="1"/>
+          <p:nvPr/>
+        </p:nvSpPr>
+        <p:spPr>
+          <a:xfrm>
+            <a:off x="247878" y="982353"/>
+            <a:ext cx="11696243" cy="4770537"/>
+          </a:xfrm>
+          <a:prstGeom prst="rect">
+            <a:avLst/>
+          </a:prstGeom>
+          <a:noFill/>
+        </p:spPr>
+        <p:txBody>
+          <a:bodyPr wrap="square" rtlCol="0">
+            <a:spAutoFit/>
+          </a:bodyPr>
+          <a:lstStyle/>
+          <a:p>
+            <a:pPr marL="0" marR="0" lvl="0" indent="0" algn="l" defTabSz="914400" rtl="0" eaLnBrk="1" fontAlgn="auto" latinLnBrk="0" hangingPunct="1">
+              <a:lnSpc>
+                <a:spcPct val="100000"/>
+              </a:lnSpc>
+              <a:spcBef>
+                <a:spcPts val="0"/>
+              </a:spcBef>
+              <a:spcAft>
+                <a:spcPts val="0"/>
+              </a:spcAft>
+              <a:buClrTx/>
+              <a:buSzTx/>
+              <a:buFontTx/>
+              <a:buNone/>
+              <a:tabLst/>
+              <a:defRPr/>
+            </a:pPr>
+            <a:r>
+              <a:rPr kumimoji="0" lang="en-US" sz="1600" b="1" i="0" u="none" strike="noStrike" kern="1200" cap="none" spc="0" normalizeH="0" baseline="0" noProof="0" dirty="0">
+                <a:ln>
+                  <a:noFill/>
+                </a:ln>
+                <a:solidFill>
+                  <a:prstClr val="black"/>
+                </a:solidFill>
+                <a:effectLst/>
+                <a:uLnTx/>
+                <a:uFillTx/>
+                <a:latin typeface="Calibri" panose="020F0502020204030204"/>
+                <a:ea typeface="+mn-ea"/>
+                <a:cs typeface="+mn-cs"/>
+              </a:rPr>
+              <a:t>Hands on- BI Scenario Extension</a:t>
+            </a:r>
+          </a:p>
+          <a:p>
+            <a:pPr marL="0" marR="0" lvl="0" indent="0" algn="l" defTabSz="914400" rtl="0" eaLnBrk="1" fontAlgn="auto" latinLnBrk="0" hangingPunct="1">
+              <a:lnSpc>
+                <a:spcPct val="100000"/>
+              </a:lnSpc>
+              <a:spcBef>
+                <a:spcPts val="0"/>
+              </a:spcBef>
+              <a:spcAft>
+                <a:spcPts val="0"/>
+              </a:spcAft>
+              <a:buClrTx/>
+              <a:buSzTx/>
+              <a:buFontTx/>
+              <a:buNone/>
+              <a:tabLst/>
+              <a:defRPr/>
+            </a:pPr>
+            <a:r>
+              <a:rPr kumimoji="0" lang="en-US" sz="1600" b="0" i="0" u="none" strike="noStrike" kern="1200" cap="none" spc="0" normalizeH="0" baseline="0" noProof="0" dirty="0">
+                <a:ln>
+                  <a:noFill/>
+                </a:ln>
+                <a:solidFill>
+                  <a:prstClr val="black"/>
+                </a:solidFill>
+                <a:effectLst/>
+                <a:uLnTx/>
+                <a:uFillTx/>
+                <a:latin typeface="Calibri" panose="020F0502020204030204"/>
+                <a:ea typeface="+mn-ea"/>
+                <a:cs typeface="+mn-cs"/>
+              </a:rPr>
+              <a:t>	- Add Waterfall chart</a:t>
+            </a:r>
+          </a:p>
+          <a:p>
+            <a:pPr>
+              <a:defRPr/>
+            </a:pPr>
+            <a:r>
+              <a:rPr lang="en-US" sz="1600" dirty="0">
+                <a:solidFill>
+                  <a:prstClr val="black"/>
+                </a:solidFill>
+                <a:latin typeface="Calibri" panose="020F0502020204030204"/>
+              </a:rPr>
+              <a:t>	</a:t>
+            </a:r>
+            <a:r>
+              <a:rPr kumimoji="0" lang="en-US" sz="1600" b="0" i="0" u="none" strike="noStrike" kern="1200" cap="none" spc="0" normalizeH="0" baseline="0" noProof="0" dirty="0">
+                <a:ln>
+                  <a:noFill/>
+                </a:ln>
+                <a:solidFill>
+                  <a:prstClr val="black"/>
+                </a:solidFill>
+                <a:effectLst/>
+                <a:uLnTx/>
+                <a:uFillTx/>
+                <a:latin typeface="Calibri" panose="020F0502020204030204"/>
+                <a:ea typeface="+mn-ea"/>
+                <a:cs typeface="+mn-cs"/>
+              </a:rPr>
+              <a:t>- Stack Column Chart with Heatmaps</a:t>
+            </a:r>
+          </a:p>
+          <a:p>
+            <a:pPr>
+              <a:defRPr/>
+            </a:pPr>
+            <a:r>
+              <a:rPr lang="en-US" sz="1600" dirty="0">
+                <a:solidFill>
+                  <a:prstClr val="black"/>
+                </a:solidFill>
+                <a:latin typeface="Calibri" panose="020F0502020204030204"/>
+              </a:rPr>
+              <a:t>	</a:t>
+            </a:r>
+            <a:r>
+              <a:rPr kumimoji="0" lang="en-US" sz="1600" b="0" i="0" u="none" strike="noStrike" kern="1200" cap="none" spc="0" normalizeH="0" baseline="0" noProof="0" dirty="0">
+                <a:ln>
+                  <a:noFill/>
+                </a:ln>
+                <a:solidFill>
+                  <a:prstClr val="black"/>
+                </a:solidFill>
+                <a:effectLst/>
+                <a:uLnTx/>
+                <a:uFillTx/>
+                <a:latin typeface="Calibri" panose="020F0502020204030204"/>
+                <a:ea typeface="+mn-ea"/>
+                <a:cs typeface="+mn-cs"/>
+              </a:rPr>
+              <a:t>- Dynamic page filtering</a:t>
+            </a:r>
+          </a:p>
+          <a:p>
+            <a:pPr>
+              <a:defRPr/>
+            </a:pPr>
+            <a:r>
+              <a:rPr lang="en-US" sz="1600" dirty="0">
+                <a:solidFill>
+                  <a:prstClr val="black"/>
+                </a:solidFill>
+                <a:latin typeface="Calibri" panose="020F0502020204030204"/>
+              </a:rPr>
+              <a:t>	</a:t>
+            </a:r>
+            <a:r>
+              <a:rPr kumimoji="0" lang="en-US" sz="1600" b="0" i="0" u="none" strike="noStrike" kern="1200" cap="none" spc="0" normalizeH="0" baseline="0" noProof="0" dirty="0">
+                <a:ln>
+                  <a:noFill/>
+                </a:ln>
+                <a:solidFill>
+                  <a:prstClr val="black"/>
+                </a:solidFill>
+                <a:effectLst/>
+                <a:uLnTx/>
+                <a:uFillTx/>
+                <a:latin typeface="Calibri" panose="020F0502020204030204"/>
+                <a:ea typeface="+mn-ea"/>
+                <a:cs typeface="+mn-cs"/>
+              </a:rPr>
+              <a:t>- Table Control and Styling</a:t>
+            </a:r>
+          </a:p>
+          <a:p>
+            <a:pPr>
+              <a:defRPr/>
+            </a:pPr>
+            <a:r>
+              <a:rPr lang="en-US" sz="1600" dirty="0">
+                <a:solidFill>
+                  <a:prstClr val="black"/>
+                </a:solidFill>
+                <a:latin typeface="Calibri" panose="020F0502020204030204"/>
+              </a:rPr>
+              <a:t>	</a:t>
+            </a:r>
+            <a:r>
+              <a:rPr kumimoji="0" lang="en-US" sz="1600" b="0" i="0" u="none" strike="noStrike" kern="1200" cap="none" spc="0" normalizeH="0" baseline="0" noProof="0" dirty="0">
+                <a:ln>
+                  <a:noFill/>
+                </a:ln>
+                <a:solidFill>
+                  <a:prstClr val="black"/>
+                </a:solidFill>
+                <a:effectLst/>
+                <a:uLnTx/>
+                <a:uFillTx/>
+                <a:latin typeface="Calibri" panose="020F0502020204030204"/>
+                <a:ea typeface="+mn-ea"/>
+                <a:cs typeface="+mn-cs"/>
+              </a:rPr>
+              <a:t>- Measure based dimension </a:t>
+            </a:r>
+          </a:p>
+          <a:p>
+            <a:pPr>
+              <a:defRPr/>
+            </a:pPr>
+            <a:r>
+              <a:rPr lang="en-US" sz="1600" dirty="0">
+                <a:solidFill>
+                  <a:prstClr val="black"/>
+                </a:solidFill>
+                <a:latin typeface="Calibri" panose="020F0502020204030204"/>
+              </a:rPr>
+              <a:t>	</a:t>
+            </a:r>
+            <a:r>
+              <a:rPr kumimoji="0" lang="en-US" sz="1600" b="0" i="0" u="none" strike="noStrike" kern="1200" cap="none" spc="0" normalizeH="0" baseline="0" noProof="0" dirty="0">
+                <a:ln>
+                  <a:noFill/>
+                </a:ln>
+                <a:solidFill>
+                  <a:prstClr val="black"/>
+                </a:solidFill>
+                <a:effectLst/>
+                <a:uLnTx/>
+                <a:uFillTx/>
+                <a:latin typeface="Calibri" panose="020F0502020204030204"/>
+                <a:ea typeface="+mn-ea"/>
+                <a:cs typeface="+mn-cs"/>
+              </a:rPr>
+              <a:t>- Filtering data based on dimension</a:t>
+            </a:r>
+          </a:p>
+          <a:p>
+            <a:pPr>
+              <a:defRPr/>
+            </a:pPr>
+            <a:r>
+              <a:rPr lang="en-US" sz="1600" dirty="0">
+                <a:solidFill>
+                  <a:prstClr val="black"/>
+                </a:solidFill>
+                <a:latin typeface="Calibri" panose="020F0502020204030204"/>
+              </a:rPr>
+              <a:t>	</a:t>
+            </a:r>
+            <a:r>
+              <a:rPr kumimoji="0" lang="en-US" sz="1600" b="0" i="0" u="none" strike="noStrike" kern="1200" cap="none" spc="0" normalizeH="0" baseline="0" noProof="0" dirty="0">
+                <a:ln>
+                  <a:noFill/>
+                </a:ln>
+                <a:solidFill>
+                  <a:prstClr val="black"/>
+                </a:solidFill>
+                <a:effectLst/>
+                <a:uLnTx/>
+                <a:uFillTx/>
+                <a:latin typeface="Calibri" panose="020F0502020204030204"/>
+                <a:ea typeface="+mn-ea"/>
+                <a:cs typeface="+mn-cs"/>
+              </a:rPr>
+              <a:t>- Blending</a:t>
+            </a:r>
+          </a:p>
+          <a:p>
+            <a:pPr>
+              <a:defRPr/>
+            </a:pPr>
+            <a:r>
+              <a:rPr lang="en-US" sz="1600" dirty="0">
+                <a:solidFill>
+                  <a:prstClr val="black"/>
+                </a:solidFill>
+                <a:latin typeface="Calibri" panose="020F0502020204030204"/>
+              </a:rPr>
+              <a:t>	- Concept of Trellis and Chart Scaling</a:t>
+            </a:r>
+            <a:endParaRPr kumimoji="0" lang="en-US" sz="1600" b="0" i="0" u="none" strike="noStrike" kern="1200" cap="none" spc="0" normalizeH="0" baseline="0" noProof="0" dirty="0">
+              <a:ln>
+                <a:noFill/>
+              </a:ln>
+              <a:solidFill>
+                <a:prstClr val="black"/>
+              </a:solidFill>
+              <a:effectLst/>
+              <a:uLnTx/>
+              <a:uFillTx/>
+              <a:latin typeface="Calibri" panose="020F0502020204030204"/>
+              <a:ea typeface="+mn-ea"/>
+              <a:cs typeface="+mn-cs"/>
+            </a:endParaRPr>
+          </a:p>
+          <a:p>
+            <a:pPr marL="0" marR="0" lvl="0" indent="0" algn="l" defTabSz="914400" rtl="0" eaLnBrk="1" fontAlgn="auto" latinLnBrk="0" hangingPunct="1">
+              <a:lnSpc>
+                <a:spcPct val="100000"/>
+              </a:lnSpc>
+              <a:spcBef>
+                <a:spcPts val="0"/>
+              </a:spcBef>
+              <a:spcAft>
+                <a:spcPts val="0"/>
+              </a:spcAft>
+              <a:buClrTx/>
+              <a:buSzTx/>
+              <a:buFontTx/>
+              <a:buNone/>
+              <a:tabLst/>
+              <a:defRPr/>
+            </a:pPr>
+            <a:endParaRPr kumimoji="0" lang="en-US" sz="1600" b="0" i="0" u="none" strike="noStrike" kern="1200" cap="none" spc="0" normalizeH="0" baseline="0" noProof="0" dirty="0">
+              <a:ln>
+                <a:noFill/>
+              </a:ln>
+              <a:solidFill>
+                <a:prstClr val="black"/>
+              </a:solidFill>
+              <a:effectLst/>
+              <a:uLnTx/>
+              <a:uFillTx/>
+              <a:latin typeface="Calibri" panose="020F0502020204030204"/>
+              <a:ea typeface="+mn-ea"/>
+              <a:cs typeface="+mn-cs"/>
+            </a:endParaRPr>
+          </a:p>
+          <a:p>
+            <a:pPr marL="0" marR="0" lvl="0" indent="0" algn="l" defTabSz="914400" rtl="0" eaLnBrk="1" fontAlgn="auto" latinLnBrk="0" hangingPunct="1">
+              <a:lnSpc>
+                <a:spcPct val="100000"/>
+              </a:lnSpc>
+              <a:spcBef>
+                <a:spcPts val="0"/>
+              </a:spcBef>
+              <a:spcAft>
+                <a:spcPts val="0"/>
+              </a:spcAft>
+              <a:buClrTx/>
+              <a:buSzTx/>
+              <a:buFontTx/>
+              <a:buNone/>
+              <a:tabLst/>
+              <a:defRPr/>
+            </a:pPr>
+            <a:r>
+              <a:rPr kumimoji="0" lang="en-US" sz="1600" b="0" i="0" u="none" strike="noStrike" kern="1200" cap="none" spc="0" normalizeH="0" baseline="0" noProof="0" dirty="0">
+                <a:ln>
+                  <a:noFill/>
+                </a:ln>
+                <a:solidFill>
+                  <a:prstClr val="black"/>
+                </a:solidFill>
+                <a:effectLst/>
+                <a:uLnTx/>
+                <a:uFillTx/>
+                <a:latin typeface="Calibri" panose="020F0502020204030204"/>
+                <a:ea typeface="+mn-ea"/>
+                <a:cs typeface="+mn-cs"/>
+              </a:rPr>
+              <a:t>---Break---</a:t>
+            </a:r>
+          </a:p>
+          <a:p>
+            <a:pPr marL="0" marR="0" lvl="0" indent="0" algn="l" defTabSz="914400" rtl="0" eaLnBrk="1" fontAlgn="auto" latinLnBrk="0" hangingPunct="1">
+              <a:lnSpc>
+                <a:spcPct val="100000"/>
+              </a:lnSpc>
+              <a:spcBef>
+                <a:spcPts val="0"/>
+              </a:spcBef>
+              <a:spcAft>
+                <a:spcPts val="0"/>
+              </a:spcAft>
+              <a:buClrTx/>
+              <a:buSzTx/>
+              <a:buFontTx/>
+              <a:buNone/>
+              <a:tabLst/>
+              <a:defRPr/>
+            </a:pPr>
+            <a:endParaRPr kumimoji="0" lang="en-US" sz="1600" b="1" i="0" u="none" strike="noStrike" kern="1200" cap="none" spc="0" normalizeH="0" baseline="0" noProof="0" dirty="0">
+              <a:ln>
+                <a:noFill/>
+              </a:ln>
+              <a:solidFill>
+                <a:prstClr val="black"/>
+              </a:solidFill>
+              <a:effectLst/>
+              <a:uLnTx/>
+              <a:uFillTx/>
+              <a:latin typeface="Calibri" panose="020F0502020204030204"/>
+              <a:ea typeface="+mn-ea"/>
+              <a:cs typeface="+mn-cs"/>
+            </a:endParaRPr>
+          </a:p>
+          <a:p>
+            <a:pPr marL="0" marR="0" lvl="0" indent="0" algn="l" defTabSz="914400" rtl="0" eaLnBrk="1" fontAlgn="auto" latinLnBrk="0" hangingPunct="1">
+              <a:lnSpc>
+                <a:spcPct val="100000"/>
+              </a:lnSpc>
+              <a:spcBef>
+                <a:spcPts val="0"/>
+              </a:spcBef>
+              <a:spcAft>
+                <a:spcPts val="0"/>
+              </a:spcAft>
+              <a:buClrTx/>
+              <a:buSzTx/>
+              <a:buFontTx/>
+              <a:buNone/>
+              <a:tabLst/>
+              <a:defRPr/>
+            </a:pPr>
+            <a:r>
+              <a:rPr kumimoji="0" lang="en-US" sz="1600" b="1" i="0" u="none" strike="noStrike" kern="1200" cap="none" spc="0" normalizeH="0" baseline="0" noProof="0" dirty="0">
+                <a:ln>
+                  <a:noFill/>
+                </a:ln>
+                <a:solidFill>
+                  <a:prstClr val="black"/>
+                </a:solidFill>
+                <a:effectLst/>
+                <a:uLnTx/>
+                <a:uFillTx/>
+                <a:latin typeface="Calibri" panose="020F0502020204030204"/>
+                <a:ea typeface="+mn-ea"/>
+                <a:cs typeface="+mn-cs"/>
+              </a:rPr>
+              <a:t>Model updates &amp; Advance BI</a:t>
+            </a:r>
+          </a:p>
+          <a:p>
+            <a:pPr marL="0" marR="0" lvl="0" indent="0" algn="l" defTabSz="914400" rtl="0" eaLnBrk="1" fontAlgn="auto" latinLnBrk="0" hangingPunct="1">
+              <a:lnSpc>
+                <a:spcPct val="100000"/>
+              </a:lnSpc>
+              <a:spcBef>
+                <a:spcPts val="0"/>
+              </a:spcBef>
+              <a:spcAft>
+                <a:spcPts val="0"/>
+              </a:spcAft>
+              <a:buClrTx/>
+              <a:buSzTx/>
+              <a:buFontTx/>
+              <a:buNone/>
+              <a:tabLst/>
+              <a:defRPr/>
+            </a:pPr>
+            <a:r>
+              <a:rPr kumimoji="0" lang="en-US" sz="1600" b="0" i="0" u="none" strike="noStrike" kern="1200" cap="none" spc="0" normalizeH="0" baseline="0" noProof="0" dirty="0">
+                <a:ln>
+                  <a:noFill/>
+                </a:ln>
+                <a:solidFill>
+                  <a:prstClr val="black"/>
+                </a:solidFill>
+                <a:effectLst/>
+                <a:uLnTx/>
+                <a:uFillTx/>
+                <a:latin typeface="Calibri" panose="020F0502020204030204"/>
+                <a:ea typeface="+mn-ea"/>
+                <a:cs typeface="+mn-cs"/>
+              </a:rPr>
+              <a:t>                    - Create data model using google drive</a:t>
+            </a:r>
+          </a:p>
+          <a:p>
+            <a:pPr marL="0" marR="0" lvl="0" indent="0" algn="l" defTabSz="914400" rtl="0" eaLnBrk="1" fontAlgn="auto" latinLnBrk="0" hangingPunct="1">
+              <a:lnSpc>
+                <a:spcPct val="100000"/>
+              </a:lnSpc>
+              <a:spcBef>
+                <a:spcPts val="0"/>
+              </a:spcBef>
+              <a:spcAft>
+                <a:spcPts val="0"/>
+              </a:spcAft>
+              <a:buClrTx/>
+              <a:buSzTx/>
+              <a:buFontTx/>
+              <a:buNone/>
+              <a:tabLst/>
+              <a:defRPr/>
+            </a:pPr>
+            <a:r>
+              <a:rPr kumimoji="0" lang="en-US" sz="1600" b="0" i="0" u="none" strike="noStrike" kern="1200" cap="none" spc="0" normalizeH="0" baseline="0" noProof="0" dirty="0">
+                <a:ln>
+                  <a:noFill/>
+                </a:ln>
+                <a:solidFill>
+                  <a:prstClr val="black"/>
+                </a:solidFill>
+                <a:effectLst/>
+                <a:uLnTx/>
+                <a:uFillTx/>
+                <a:latin typeface="Calibri" panose="020F0502020204030204"/>
+                <a:ea typeface="+mn-ea"/>
+                <a:cs typeface="+mn-cs"/>
+              </a:rPr>
+              <a:t>	- Create hierarchies and Basic BI</a:t>
+            </a:r>
+          </a:p>
+          <a:p>
+            <a:pPr marL="0" marR="0" lvl="0" indent="0" algn="l" defTabSz="914400" rtl="0" eaLnBrk="1" fontAlgn="auto" latinLnBrk="0" hangingPunct="1">
+              <a:lnSpc>
+                <a:spcPct val="100000"/>
+              </a:lnSpc>
+              <a:spcBef>
+                <a:spcPts val="0"/>
+              </a:spcBef>
+              <a:spcAft>
+                <a:spcPts val="0"/>
+              </a:spcAft>
+              <a:buClrTx/>
+              <a:buSzTx/>
+              <a:buFontTx/>
+              <a:buNone/>
+              <a:tabLst/>
+              <a:defRPr/>
+            </a:pPr>
+            <a:r>
+              <a:rPr kumimoji="0" lang="en-US" sz="1600" b="0" i="0" u="none" strike="noStrike" kern="1200" cap="none" spc="0" normalizeH="0" baseline="0" noProof="0" dirty="0">
+                <a:ln>
+                  <a:noFill/>
+                </a:ln>
+                <a:solidFill>
+                  <a:prstClr val="black"/>
+                </a:solidFill>
+                <a:effectLst/>
+                <a:uLnTx/>
+                <a:uFillTx/>
+                <a:latin typeface="Calibri" panose="020F0502020204030204"/>
+                <a:ea typeface="+mn-ea"/>
+                <a:cs typeface="+mn-cs"/>
+              </a:rPr>
+              <a:t>	- Update Models using Draft data</a:t>
+            </a:r>
+          </a:p>
+          <a:p>
+            <a:pPr marL="0" marR="0" lvl="0" indent="0" algn="l" defTabSz="914400" rtl="0" eaLnBrk="1" fontAlgn="auto" latinLnBrk="0" hangingPunct="1">
+              <a:lnSpc>
+                <a:spcPct val="100000"/>
+              </a:lnSpc>
+              <a:spcBef>
+                <a:spcPts val="0"/>
+              </a:spcBef>
+              <a:spcAft>
+                <a:spcPts val="0"/>
+              </a:spcAft>
+              <a:buClrTx/>
+              <a:buSzTx/>
+              <a:buFontTx/>
+              <a:buNone/>
+              <a:tabLst/>
+              <a:defRPr/>
+            </a:pPr>
+            <a:r>
+              <a:rPr kumimoji="0" lang="en-US" sz="1600" b="0" i="0" u="none" strike="noStrike" kern="1200" cap="none" spc="0" normalizeH="0" baseline="0" noProof="0" dirty="0">
+                <a:ln>
+                  <a:noFill/>
+                </a:ln>
+                <a:solidFill>
+                  <a:prstClr val="black"/>
+                </a:solidFill>
+                <a:effectLst/>
+                <a:uLnTx/>
+                <a:uFillTx/>
+                <a:latin typeface="Calibri" panose="020F0502020204030204"/>
+                <a:ea typeface="+mn-ea"/>
+                <a:cs typeface="+mn-cs"/>
+              </a:rPr>
+              <a:t>	- Concept of Variance</a:t>
+            </a:r>
+          </a:p>
+          <a:p>
+            <a:pPr marL="0" marR="0" lvl="0" indent="0" algn="l" defTabSz="914400" rtl="0" eaLnBrk="1" fontAlgn="auto" latinLnBrk="0" hangingPunct="1">
+              <a:lnSpc>
+                <a:spcPct val="100000"/>
+              </a:lnSpc>
+              <a:spcBef>
+                <a:spcPts val="0"/>
+              </a:spcBef>
+              <a:spcAft>
+                <a:spcPts val="0"/>
+              </a:spcAft>
+              <a:buClrTx/>
+              <a:buSzTx/>
+              <a:buFontTx/>
+              <a:buNone/>
+              <a:tabLst/>
+              <a:defRPr/>
+            </a:pPr>
+            <a:r>
+              <a:rPr lang="en-US" sz="1600" dirty="0">
+                <a:solidFill>
+                  <a:prstClr val="black"/>
+                </a:solidFill>
+                <a:latin typeface="Calibri" panose="020F0502020204030204"/>
+              </a:rPr>
+              <a:t>	- Create Reference Lines</a:t>
+            </a:r>
+          </a:p>
+          <a:p>
+            <a:pPr marL="0" marR="0" lvl="0" indent="0" algn="l" defTabSz="914400" rtl="0" eaLnBrk="1" fontAlgn="auto" latinLnBrk="0" hangingPunct="1">
+              <a:lnSpc>
+                <a:spcPct val="100000"/>
+              </a:lnSpc>
+              <a:spcBef>
+                <a:spcPts val="0"/>
+              </a:spcBef>
+              <a:spcAft>
+                <a:spcPts val="0"/>
+              </a:spcAft>
+              <a:buClrTx/>
+              <a:buSzTx/>
+              <a:buFontTx/>
+              <a:buNone/>
+              <a:tabLst/>
+              <a:defRPr/>
+            </a:pPr>
+            <a:r>
+              <a:rPr kumimoji="0" lang="en-US" sz="1600" b="0" i="0" u="none" strike="noStrike" kern="1200" cap="none" spc="0" normalizeH="0" baseline="0" noProof="0" dirty="0">
+                <a:ln>
+                  <a:noFill/>
+                </a:ln>
+                <a:solidFill>
+                  <a:prstClr val="black"/>
+                </a:solidFill>
+                <a:effectLst/>
+                <a:uLnTx/>
+                <a:uFillTx/>
+                <a:latin typeface="Calibri" panose="020F0502020204030204"/>
+                <a:ea typeface="+mn-ea"/>
+                <a:cs typeface="+mn-cs"/>
+              </a:rPr>
+              <a:t>	- Conditional Formatting</a:t>
+            </a:r>
+          </a:p>
+        </p:txBody>
+      </p:sp>
+    </p:spTree>
+    <p:extLst>
+      <p:ext uri="{BB962C8B-B14F-4D97-AF65-F5344CB8AC3E}">
+        <p14:creationId xmlns:p14="http://schemas.microsoft.com/office/powerpoint/2010/main" val="2321857352"/>
+      </p:ext>
+    </p:extLst>
+  </p:cSld>
+  <p:clrMapOvr>
+    <a:masterClrMapping/>
+  </p:clrMapOvr>
+</p:sld>
+</file>
+
+<file path=ppt/slides/slide3.xml><?xml version="1.0" encoding="utf-8"?>
+<p:sld xmlns:a="http://schemas.openxmlformats.org/drawingml/2006/main" xmlns:r="http://schemas.openxmlformats.org/officeDocument/2006/relationships" xmlns:p="http://schemas.openxmlformats.org/presentationml/2006/main">
+  <p:cSld>
+    <p:spTree>
+      <p:nvGrpSpPr>
+        <p:cNvPr id="1" name=""/>
+        <p:cNvGrpSpPr/>
+        <p:nvPr/>
+      </p:nvGrpSpPr>
+      <p:grpSpPr>
+        <a:xfrm>
+          <a:off x="0" y="0"/>
+          <a:ext cx="0" cy="0"/>
+          <a:chOff x="0" y="0"/>
+          <a:chExt cx="0" cy="0"/>
+        </a:xfrm>
+      </p:grpSpPr>
+      <p:sp>
+        <p:nvSpPr>
+          <p:cNvPr id="11" name="Title 10"/>
+          <p:cNvSpPr>
+            <a:spLocks noGrp="1"/>
+          </p:cNvSpPr>
+          <p:nvPr>
+            <p:ph type="title"/>
+          </p:nvPr>
+        </p:nvSpPr>
+        <p:spPr>
+          <a:xfrm>
+            <a:off x="-20279" y="41354"/>
+            <a:ext cx="10969943" cy="711081"/>
+          </a:xfrm>
+        </p:spPr>
+        <p:txBody>
+          <a:bodyPr>
+            <a:noAutofit/>
+          </a:bodyPr>
+          <a:lstStyle/>
+          <a:p>
+            <a:r>
+              <a:rPr lang="en-IN" dirty="0">
+                <a:solidFill>
+                  <a:schemeClr val="tx2">
+                    <a:lumMod val="60000"/>
+                    <a:lumOff val="40000"/>
+                  </a:schemeClr>
+                </a:solidFill>
+                <a:latin typeface="Patua One" pitchFamily="2" charset="0"/>
+              </a:rPr>
+              <a:t>Hands-on BI Exercise Scenario</a:t>
+            </a:r>
+          </a:p>
+        </p:txBody>
+      </p:sp>
+      <p:sp>
+        <p:nvSpPr>
+          <p:cNvPr id="37" name="TextBox 36">
+            <a:extLst>
+              <a:ext uri="{FF2B5EF4-FFF2-40B4-BE49-F238E27FC236}">
+                <a16:creationId xmlns:a16="http://schemas.microsoft.com/office/drawing/2014/main" id="{E8CAC22F-1542-4031-BC6C-A16989886504}"/>
+              </a:ext>
+            </a:extLst>
+          </p:cNvPr>
+          <p:cNvSpPr txBox="1"/>
+          <p:nvPr/>
+        </p:nvSpPr>
+        <p:spPr>
+          <a:xfrm>
+            <a:off x="4943872" y="6550224"/>
+            <a:ext cx="3456384" cy="307777"/>
+          </a:xfrm>
+          <a:prstGeom prst="rect">
+            <a:avLst/>
+          </a:prstGeom>
+          <a:noFill/>
+        </p:spPr>
+        <p:txBody>
+          <a:bodyPr wrap="square" rtlCol="0">
+            <a:spAutoFit/>
+          </a:bodyPr>
+          <a:lstStyle/>
+          <a:p>
+            <a:pPr defTabSz="1218987">
+              <a:defRPr/>
+            </a:pPr>
+            <a:r>
+              <a:rPr lang="en-US" sz="1400" b="1" dirty="0">
+                <a:solidFill>
+                  <a:prstClr val="black"/>
+                </a:solidFill>
+                <a:latin typeface="Arial Rounded MT Bold" panose="020F0704030504030204" pitchFamily="34" charset="0"/>
+                <a:ea typeface="Arial Unicode MS" panose="020B0604020202020204" pitchFamily="34" charset="-128"/>
+                <a:cs typeface="Arial Unicode MS" panose="020B0604020202020204" pitchFamily="34" charset="-128"/>
+              </a:rPr>
+              <a:t>www.anubhavtrainings.com</a:t>
+            </a:r>
+            <a:endParaRPr lang="en-IN" sz="1400" b="1" dirty="0">
+              <a:solidFill>
+                <a:prstClr val="black"/>
+              </a:solidFill>
+              <a:latin typeface="Arial Rounded MT Bold" panose="020F0704030504030204" pitchFamily="34" charset="0"/>
+              <a:ea typeface="Arial Unicode MS" panose="020B0604020202020204" pitchFamily="34" charset="-128"/>
+              <a:cs typeface="Arial Unicode MS" panose="020B0604020202020204" pitchFamily="34" charset="-128"/>
+            </a:endParaRPr>
+          </a:p>
+        </p:txBody>
+      </p:sp>
+      <p:pic>
+        <p:nvPicPr>
+          <p:cNvPr id="40" name="Picture 39">
+            <a:extLst>
+              <a:ext uri="{FF2B5EF4-FFF2-40B4-BE49-F238E27FC236}">
+                <a16:creationId xmlns:a16="http://schemas.microsoft.com/office/drawing/2014/main" id="{DA60E6FB-8C44-4FEB-B6E9-83DA908565CD}"/>
+              </a:ext>
+            </a:extLst>
+          </p:cNvPr>
+          <p:cNvPicPr>
+            <a:picLocks noChangeAspect="1"/>
+          </p:cNvPicPr>
+          <p:nvPr/>
+        </p:nvPicPr>
+        <p:blipFill>
+          <a:blip r:embed="rId2">
+            <a:extLst>
+              <a:ext uri="{28A0092B-C50C-407E-A947-70E740481C1C}">
+                <a14:useLocalDpi xmlns:a14="http://schemas.microsoft.com/office/drawing/2010/main" val="0"/>
+              </a:ext>
+            </a:extLst>
+          </a:blip>
+          <a:stretch>
+            <a:fillRect/>
+          </a:stretch>
+        </p:blipFill>
+        <p:spPr>
+          <a:xfrm>
+            <a:off x="9624393" y="106009"/>
+            <a:ext cx="2335203" cy="762895"/>
+          </a:xfrm>
+          <a:prstGeom prst="rect">
+            <a:avLst/>
+          </a:prstGeom>
+        </p:spPr>
+      </p:pic>
+      <p:cxnSp>
+        <p:nvCxnSpPr>
+          <p:cNvPr id="41" name="Straight Connector 40">
+            <a:extLst>
+              <a:ext uri="{FF2B5EF4-FFF2-40B4-BE49-F238E27FC236}">
+                <a16:creationId xmlns:a16="http://schemas.microsoft.com/office/drawing/2014/main" id="{3B3B7D73-CAE9-45AC-ACCE-FAEF4E505C7A}"/>
+              </a:ext>
+            </a:extLst>
+          </p:cNvPr>
+          <p:cNvCxnSpPr/>
+          <p:nvPr/>
+        </p:nvCxnSpPr>
+        <p:spPr>
+          <a:xfrm>
+            <a:off x="1588" y="764704"/>
+            <a:ext cx="6479584" cy="0"/>
+          </a:xfrm>
+          <a:prstGeom prst="line">
+            <a:avLst/>
+          </a:prstGeom>
+        </p:spPr>
+        <p:style>
+          <a:lnRef idx="2">
+            <a:schemeClr val="accent6"/>
+          </a:lnRef>
+          <a:fillRef idx="0">
+            <a:schemeClr val="accent6"/>
+          </a:fillRef>
+          <a:effectRef idx="1">
+            <a:schemeClr val="accent6"/>
+          </a:effectRef>
+          <a:fontRef idx="minor">
+            <a:schemeClr val="tx1"/>
+          </a:fontRef>
+        </p:style>
+      </p:cxnSp>
+      <p:sp>
+        <p:nvSpPr>
+          <p:cNvPr id="2" name="TextBox 1">
+            <a:extLst>
+              <a:ext uri="{FF2B5EF4-FFF2-40B4-BE49-F238E27FC236}">
+                <a16:creationId xmlns:a16="http://schemas.microsoft.com/office/drawing/2014/main" id="{4D244890-F002-43A1-84CE-97A597F5A188}"/>
+              </a:ext>
+            </a:extLst>
+          </p:cNvPr>
+          <p:cNvSpPr txBox="1"/>
+          <p:nvPr/>
+        </p:nvSpPr>
+        <p:spPr>
+          <a:xfrm>
+            <a:off x="152400" y="1066801"/>
+            <a:ext cx="11430000" cy="830997"/>
+          </a:xfrm>
+          <a:prstGeom prst="rect">
+            <a:avLst/>
+          </a:prstGeom>
+          <a:noFill/>
+        </p:spPr>
+        <p:txBody>
+          <a:bodyPr wrap="square" rtlCol="0">
+            <a:spAutoFit/>
+          </a:bodyPr>
+          <a:lstStyle/>
+          <a:p>
+            <a:pPr defTabSz="1218987"/>
+            <a:r>
+              <a:rPr lang="en-US" sz="2400" dirty="0">
+                <a:solidFill>
+                  <a:prstClr val="black"/>
+                </a:solidFill>
+                <a:latin typeface="Calibri"/>
+              </a:rPr>
+              <a:t>BI Extension Scenario </a:t>
+            </a:r>
+            <a:r>
+              <a:rPr lang="en-US" sz="2400" dirty="0">
+                <a:solidFill>
+                  <a:prstClr val="black"/>
+                </a:solidFill>
+                <a:latin typeface="Calibri"/>
+                <a:hlinkClick r:id="rId3"/>
+              </a:rPr>
+              <a:t>here</a:t>
+            </a:r>
+            <a:endParaRPr lang="en-US" sz="2400" dirty="0">
+              <a:solidFill>
+                <a:prstClr val="black"/>
+              </a:solidFill>
+              <a:latin typeface="Calibri"/>
+            </a:endParaRPr>
+          </a:p>
+          <a:p>
+            <a:pPr defTabSz="1218987"/>
+            <a:r>
+              <a:rPr lang="en-US" sz="2400" dirty="0">
+                <a:solidFill>
+                  <a:prstClr val="black"/>
+                </a:solidFill>
+                <a:latin typeface="Calibri"/>
+              </a:rPr>
+              <a:t>Data for blending available </a:t>
+            </a:r>
+            <a:r>
+              <a:rPr lang="en-US" sz="2400" dirty="0">
+                <a:solidFill>
+                  <a:prstClr val="black"/>
+                </a:solidFill>
+                <a:latin typeface="Calibri"/>
+                <a:hlinkClick r:id="rId4"/>
+              </a:rPr>
+              <a:t>here</a:t>
+            </a:r>
+            <a:endParaRPr lang="en-US" sz="2400" dirty="0">
+              <a:solidFill>
+                <a:prstClr val="black"/>
+              </a:solidFill>
+              <a:latin typeface="Calibri"/>
+            </a:endParaRPr>
+          </a:p>
+        </p:txBody>
+      </p:sp>
+    </p:spTree>
+    <p:extLst>
+      <p:ext uri="{BB962C8B-B14F-4D97-AF65-F5344CB8AC3E}">
+        <p14:creationId xmlns:p14="http://schemas.microsoft.com/office/powerpoint/2010/main" val="1842587395"/>
+      </p:ext>
+    </p:extLst>
+  </p:cSld>
+  <p:clrMapOvr>
+    <a:masterClrMapping/>
+  </p:clrMapOvr>
+  <p:transition spd="slow">
+    <p:push dir="u"/>
+  </p:transition>
+</p:sld>
+</file>
+
+<file path=ppt/slides/slide4.xml><?xml version="1.0" encoding="utf-8"?>
+<p:sld xmlns:a="http://schemas.openxmlformats.org/drawingml/2006/main" xmlns:r="http://schemas.openxmlformats.org/officeDocument/2006/relationships" xmlns:p="http://schemas.openxmlformats.org/presentationml/2006/main">
+  <p:cSld>
+    <p:spTree>
+      <p:nvGrpSpPr>
+        <p:cNvPr id="1" name=""/>
+        <p:cNvGrpSpPr/>
+        <p:nvPr/>
+      </p:nvGrpSpPr>
+      <p:grpSpPr>
+        <a:xfrm>
+          <a:off x="0" y="0"/>
+          <a:ext cx="0" cy="0"/>
+          <a:chOff x="0" y="0"/>
+          <a:chExt cx="0" cy="0"/>
+        </a:xfrm>
+      </p:grpSpPr>
+      <p:sp>
+        <p:nvSpPr>
+          <p:cNvPr id="11" name="Title 10"/>
+          <p:cNvSpPr>
+            <a:spLocks noGrp="1"/>
+          </p:cNvSpPr>
+          <p:nvPr>
+            <p:ph type="title"/>
+          </p:nvPr>
+        </p:nvSpPr>
+        <p:spPr>
+          <a:xfrm>
+            <a:off x="-20279" y="41354"/>
+            <a:ext cx="10969943" cy="711081"/>
+          </a:xfrm>
+        </p:spPr>
+        <p:txBody>
+          <a:bodyPr>
+            <a:noAutofit/>
+          </a:bodyPr>
+          <a:lstStyle/>
+          <a:p>
+            <a:r>
+              <a:rPr lang="en-IN" dirty="0">
+                <a:solidFill>
+                  <a:schemeClr val="tx2">
+                    <a:lumMod val="60000"/>
+                    <a:lumOff val="40000"/>
+                  </a:schemeClr>
+                </a:solidFill>
+                <a:latin typeface="Patua One" pitchFamily="2" charset="0"/>
+              </a:rPr>
+              <a:t>Hierarchies</a:t>
+            </a:r>
+          </a:p>
+        </p:txBody>
+      </p:sp>
+      <p:pic>
+        <p:nvPicPr>
+          <p:cNvPr id="40" name="Picture 39">
+            <a:extLst>
+              <a:ext uri="{FF2B5EF4-FFF2-40B4-BE49-F238E27FC236}">
+                <a16:creationId xmlns:a16="http://schemas.microsoft.com/office/drawing/2014/main" id="{DA60E6FB-8C44-4FEB-B6E9-83DA908565CD}"/>
+              </a:ext>
+            </a:extLst>
+          </p:cNvPr>
+          <p:cNvPicPr>
+            <a:picLocks noChangeAspect="1"/>
+          </p:cNvPicPr>
+          <p:nvPr/>
+        </p:nvPicPr>
+        <p:blipFill>
+          <a:blip r:embed="rId2">
+            <a:extLst>
+              <a:ext uri="{28A0092B-C50C-407E-A947-70E740481C1C}">
+                <a14:useLocalDpi xmlns:a14="http://schemas.microsoft.com/office/drawing/2010/main" val="0"/>
+              </a:ext>
+            </a:extLst>
+          </a:blip>
+          <a:stretch>
+            <a:fillRect/>
+          </a:stretch>
+        </p:blipFill>
+        <p:spPr>
+          <a:xfrm>
+            <a:off x="9624393" y="106009"/>
+            <a:ext cx="2335203" cy="762895"/>
+          </a:xfrm>
+          <a:prstGeom prst="rect">
+            <a:avLst/>
+          </a:prstGeom>
+        </p:spPr>
+      </p:pic>
+      <p:cxnSp>
+        <p:nvCxnSpPr>
+          <p:cNvPr id="41" name="Straight Connector 40">
+            <a:extLst>
+              <a:ext uri="{FF2B5EF4-FFF2-40B4-BE49-F238E27FC236}">
+                <a16:creationId xmlns:a16="http://schemas.microsoft.com/office/drawing/2014/main" id="{3B3B7D73-CAE9-45AC-ACCE-FAEF4E505C7A}"/>
+              </a:ext>
+            </a:extLst>
+          </p:cNvPr>
+          <p:cNvCxnSpPr/>
+          <p:nvPr/>
+        </p:nvCxnSpPr>
+        <p:spPr>
+          <a:xfrm>
+            <a:off x="1588" y="764704"/>
+            <a:ext cx="6479584" cy="0"/>
+          </a:xfrm>
+          <a:prstGeom prst="line">
+            <a:avLst/>
+          </a:prstGeom>
+        </p:spPr>
+        <p:style>
+          <a:lnRef idx="2">
+            <a:schemeClr val="accent6"/>
+          </a:lnRef>
+          <a:fillRef idx="0">
+            <a:schemeClr val="accent6"/>
+          </a:fillRef>
+          <a:effectRef idx="1">
+            <a:schemeClr val="accent6"/>
+          </a:effectRef>
+          <a:fontRef idx="minor">
+            <a:schemeClr val="tx1"/>
+          </a:fontRef>
+        </p:style>
+      </p:cxnSp>
+      <p:sp>
+        <p:nvSpPr>
+          <p:cNvPr id="2" name="TextBox 1">
+            <a:extLst>
+              <a:ext uri="{FF2B5EF4-FFF2-40B4-BE49-F238E27FC236}">
+                <a16:creationId xmlns:a16="http://schemas.microsoft.com/office/drawing/2014/main" id="{0849BF03-6D6C-4336-8327-E2B7A4B55FC8}"/>
+              </a:ext>
+            </a:extLst>
+          </p:cNvPr>
+          <p:cNvSpPr txBox="1"/>
+          <p:nvPr/>
+        </p:nvSpPr>
+        <p:spPr>
+          <a:xfrm>
+            <a:off x="76201" y="990600"/>
+            <a:ext cx="11883395" cy="2308324"/>
+          </a:xfrm>
+          <a:prstGeom prst="rect">
+            <a:avLst/>
+          </a:prstGeom>
+          <a:noFill/>
+        </p:spPr>
+        <p:txBody>
+          <a:bodyPr wrap="square" rtlCol="0">
+            <a:spAutoFit/>
+          </a:bodyPr>
+          <a:lstStyle/>
+          <a:p>
+            <a:pPr defTabSz="1218987"/>
+            <a:r>
+              <a:rPr lang="en-US" sz="2400" dirty="0">
+                <a:solidFill>
+                  <a:prstClr val="black"/>
+                </a:solidFill>
+                <a:latin typeface="Calibri"/>
+              </a:rPr>
+              <a:t>Hierarchies are tree data structure, used to represent the data dependency in a tree form, SAP analytics cloud offers 2 types of hierarchies</a:t>
+            </a:r>
+          </a:p>
+          <a:p>
+            <a:pPr marL="342900" indent="-342900" defTabSz="1218987">
+              <a:buFont typeface="Arial" panose="020B0604020202020204" pitchFamily="34" charset="0"/>
+              <a:buChar char="•"/>
+            </a:pPr>
+            <a:r>
+              <a:rPr lang="en-US" sz="2400" dirty="0">
+                <a:solidFill>
+                  <a:prstClr val="black"/>
+                </a:solidFill>
+                <a:latin typeface="Calibri"/>
+              </a:rPr>
+              <a:t>Level-based Hierarchy- when we have more than 2 columns, we create this type of hierarchy. </a:t>
+            </a:r>
+            <a:r>
+              <a:rPr lang="en-US" sz="2400" u="sng" dirty="0">
+                <a:solidFill>
+                  <a:prstClr val="black"/>
+                </a:solidFill>
+                <a:latin typeface="Calibri"/>
+              </a:rPr>
+              <a:t>The columns which are </a:t>
+            </a:r>
+            <a:r>
+              <a:rPr lang="en-US" sz="2400" b="1" u="sng" dirty="0">
+                <a:solidFill>
+                  <a:prstClr val="black"/>
+                </a:solidFill>
+                <a:latin typeface="Calibri"/>
+              </a:rPr>
+              <a:t>child </a:t>
+            </a:r>
+            <a:r>
+              <a:rPr lang="en-US" sz="2400" u="sng" dirty="0">
+                <a:solidFill>
+                  <a:prstClr val="black"/>
+                </a:solidFill>
+                <a:latin typeface="Calibri"/>
+              </a:rPr>
+              <a:t>nodes will be converted as a </a:t>
+            </a:r>
+            <a:r>
+              <a:rPr lang="en-US" sz="2400" b="1" u="sng" dirty="0">
+                <a:solidFill>
+                  <a:prstClr val="black"/>
+                </a:solidFill>
+                <a:latin typeface="Calibri"/>
+              </a:rPr>
+              <a:t>property of parent node.</a:t>
+            </a:r>
+            <a:endParaRPr lang="en-US" sz="2400" u="sng" dirty="0">
+              <a:solidFill>
+                <a:prstClr val="black"/>
+              </a:solidFill>
+              <a:latin typeface="Calibri"/>
+            </a:endParaRPr>
+          </a:p>
+          <a:p>
+            <a:pPr marL="342900" indent="-342900" defTabSz="1218987">
+              <a:buFont typeface="Arial" panose="020B0604020202020204" pitchFamily="34" charset="0"/>
+              <a:buChar char="•"/>
+            </a:pPr>
+            <a:r>
+              <a:rPr lang="en-US" sz="2400" dirty="0">
+                <a:solidFill>
+                  <a:prstClr val="black"/>
+                </a:solidFill>
+                <a:latin typeface="Calibri"/>
+              </a:rPr>
+              <a:t>Parent Child Hierarchy – when we have precisely 2 columns.</a:t>
+            </a:r>
+          </a:p>
+        </p:txBody>
+      </p:sp>
+    </p:spTree>
+    <p:extLst>
+      <p:ext uri="{BB962C8B-B14F-4D97-AF65-F5344CB8AC3E}">
+        <p14:creationId xmlns:p14="http://schemas.microsoft.com/office/powerpoint/2010/main" val="962523054"/>
+      </p:ext>
+    </p:extLst>
+  </p:cSld>
+  <p:clrMapOvr>
+    <a:masterClrMapping/>
+  </p:clrMapOvr>
+  <p:transition spd="slow">
+    <p:push dir="u"/>
+  </p:transition>
+</p:sld>
+</file>
+
+<file path=ppt/slides/slide5.xml><?xml version="1.0" encoding="utf-8"?>
+<p:sld xmlns:a="http://schemas.openxmlformats.org/drawingml/2006/main" xmlns:r="http://schemas.openxmlformats.org/officeDocument/2006/relationships" xmlns:p="http://schemas.openxmlformats.org/presentationml/2006/main">
+  <p:cSld>
+    <p:spTree>
+      <p:nvGrpSpPr>
+        <p:cNvPr id="1" name=""/>
+        <p:cNvGrpSpPr/>
+        <p:nvPr/>
+      </p:nvGrpSpPr>
+      <p:grpSpPr>
+        <a:xfrm>
+          <a:off x="0" y="0"/>
+          <a:ext cx="0" cy="0"/>
+          <a:chOff x="0" y="0"/>
+          <a:chExt cx="0" cy="0"/>
+        </a:xfrm>
+      </p:grpSpPr>
+      <p:sp>
+        <p:nvSpPr>
+          <p:cNvPr id="11" name="Title 10"/>
+          <p:cNvSpPr>
+            <a:spLocks noGrp="1"/>
+          </p:cNvSpPr>
+          <p:nvPr>
+            <p:ph type="title"/>
+          </p:nvPr>
+        </p:nvSpPr>
+        <p:spPr>
+          <a:xfrm>
+            <a:off x="-20279" y="41354"/>
+            <a:ext cx="10969943" cy="711081"/>
+          </a:xfrm>
+        </p:spPr>
+        <p:txBody>
+          <a:bodyPr>
+            <a:noAutofit/>
+          </a:bodyPr>
+          <a:lstStyle/>
+          <a:p>
+            <a:r>
+              <a:rPr lang="en-IN" dirty="0">
+                <a:solidFill>
+                  <a:schemeClr val="tx2">
+                    <a:lumMod val="60000"/>
+                    <a:lumOff val="40000"/>
+                  </a:schemeClr>
+                </a:solidFill>
+                <a:latin typeface="Patua One" pitchFamily="2" charset="0"/>
+              </a:rPr>
+              <a:t>Hands-on BI Hierarchy and Model Scenario</a:t>
+            </a:r>
+          </a:p>
+        </p:txBody>
+      </p:sp>
+      <p:sp>
+        <p:nvSpPr>
+          <p:cNvPr id="37" name="TextBox 36">
+            <a:extLst>
+              <a:ext uri="{FF2B5EF4-FFF2-40B4-BE49-F238E27FC236}">
+                <a16:creationId xmlns:a16="http://schemas.microsoft.com/office/drawing/2014/main" id="{E8CAC22F-1542-4031-BC6C-A16989886504}"/>
+              </a:ext>
+            </a:extLst>
+          </p:cNvPr>
+          <p:cNvSpPr txBox="1"/>
+          <p:nvPr/>
+        </p:nvSpPr>
+        <p:spPr>
+          <a:xfrm>
+            <a:off x="4943872" y="6550224"/>
+            <a:ext cx="3456384" cy="307777"/>
+          </a:xfrm>
+          <a:prstGeom prst="rect">
+            <a:avLst/>
+          </a:prstGeom>
+          <a:noFill/>
+        </p:spPr>
+        <p:txBody>
+          <a:bodyPr wrap="square" rtlCol="0">
+            <a:spAutoFit/>
+          </a:bodyPr>
+          <a:lstStyle/>
+          <a:p>
+            <a:pPr defTabSz="1218987">
+              <a:defRPr/>
+            </a:pPr>
+            <a:r>
+              <a:rPr lang="en-US" sz="1400" b="1" dirty="0">
+                <a:solidFill>
+                  <a:prstClr val="black"/>
+                </a:solidFill>
+                <a:latin typeface="Arial Rounded MT Bold" panose="020F0704030504030204" pitchFamily="34" charset="0"/>
+                <a:ea typeface="Arial Unicode MS" panose="020B0604020202020204" pitchFamily="34" charset="-128"/>
+                <a:cs typeface="Arial Unicode MS" panose="020B0604020202020204" pitchFamily="34" charset="-128"/>
+              </a:rPr>
+              <a:t>www.anubhavtrainings.com</a:t>
+            </a:r>
+            <a:endParaRPr lang="en-IN" sz="1400" b="1" dirty="0">
+              <a:solidFill>
+                <a:prstClr val="black"/>
+              </a:solidFill>
+              <a:latin typeface="Arial Rounded MT Bold" panose="020F0704030504030204" pitchFamily="34" charset="0"/>
+              <a:ea typeface="Arial Unicode MS" panose="020B0604020202020204" pitchFamily="34" charset="-128"/>
+              <a:cs typeface="Arial Unicode MS" panose="020B0604020202020204" pitchFamily="34" charset="-128"/>
+            </a:endParaRPr>
+          </a:p>
+        </p:txBody>
+      </p:sp>
+      <p:pic>
+        <p:nvPicPr>
+          <p:cNvPr id="40" name="Picture 39">
+            <a:extLst>
+              <a:ext uri="{FF2B5EF4-FFF2-40B4-BE49-F238E27FC236}">
+                <a16:creationId xmlns:a16="http://schemas.microsoft.com/office/drawing/2014/main" id="{DA60E6FB-8C44-4FEB-B6E9-83DA908565CD}"/>
+              </a:ext>
+            </a:extLst>
+          </p:cNvPr>
+          <p:cNvPicPr>
+            <a:picLocks noChangeAspect="1"/>
+          </p:cNvPicPr>
+          <p:nvPr/>
+        </p:nvPicPr>
+        <p:blipFill>
+          <a:blip r:embed="rId2">
+            <a:extLst>
+              <a:ext uri="{28A0092B-C50C-407E-A947-70E740481C1C}">
+                <a14:useLocalDpi xmlns:a14="http://schemas.microsoft.com/office/drawing/2010/main" val="0"/>
+              </a:ext>
+            </a:extLst>
+          </a:blip>
+          <a:stretch>
+            <a:fillRect/>
+          </a:stretch>
+        </p:blipFill>
+        <p:spPr>
+          <a:xfrm>
+            <a:off x="9624393" y="106009"/>
+            <a:ext cx="2335203" cy="762895"/>
+          </a:xfrm>
+          <a:prstGeom prst="rect">
+            <a:avLst/>
+          </a:prstGeom>
+        </p:spPr>
+      </p:pic>
+      <p:cxnSp>
+        <p:nvCxnSpPr>
+          <p:cNvPr id="41" name="Straight Connector 40">
+            <a:extLst>
+              <a:ext uri="{FF2B5EF4-FFF2-40B4-BE49-F238E27FC236}">
+                <a16:creationId xmlns:a16="http://schemas.microsoft.com/office/drawing/2014/main" id="{3B3B7D73-CAE9-45AC-ACCE-FAEF4E505C7A}"/>
+              </a:ext>
+            </a:extLst>
+          </p:cNvPr>
+          <p:cNvCxnSpPr/>
+          <p:nvPr/>
+        </p:nvCxnSpPr>
+        <p:spPr>
+          <a:xfrm>
+            <a:off x="1588" y="764704"/>
+            <a:ext cx="6479584" cy="0"/>
+          </a:xfrm>
+          <a:prstGeom prst="line">
+            <a:avLst/>
+          </a:prstGeom>
+        </p:spPr>
+        <p:style>
+          <a:lnRef idx="2">
+            <a:schemeClr val="accent6"/>
+          </a:lnRef>
+          <a:fillRef idx="0">
+            <a:schemeClr val="accent6"/>
+          </a:fillRef>
+          <a:effectRef idx="1">
+            <a:schemeClr val="accent6"/>
+          </a:effectRef>
+          <a:fontRef idx="minor">
+            <a:schemeClr val="tx1"/>
+          </a:fontRef>
+        </p:style>
+      </p:cxnSp>
+      <p:sp>
+        <p:nvSpPr>
+          <p:cNvPr id="2" name="TextBox 1">
+            <a:extLst>
+              <a:ext uri="{FF2B5EF4-FFF2-40B4-BE49-F238E27FC236}">
+                <a16:creationId xmlns:a16="http://schemas.microsoft.com/office/drawing/2014/main" id="{4D244890-F002-43A1-84CE-97A597F5A188}"/>
+              </a:ext>
+            </a:extLst>
+          </p:cNvPr>
+          <p:cNvSpPr txBox="1"/>
+          <p:nvPr/>
+        </p:nvSpPr>
+        <p:spPr>
+          <a:xfrm>
+            <a:off x="152400" y="1066801"/>
+            <a:ext cx="11430000" cy="461665"/>
+          </a:xfrm>
+          <a:prstGeom prst="rect">
+            <a:avLst/>
+          </a:prstGeom>
+          <a:noFill/>
+        </p:spPr>
+        <p:txBody>
+          <a:bodyPr wrap="square" rtlCol="0">
+            <a:spAutoFit/>
+          </a:bodyPr>
+          <a:lstStyle/>
+          <a:p>
+            <a:pPr defTabSz="1218987"/>
+            <a:r>
+              <a:rPr lang="en-US" sz="2400" dirty="0">
+                <a:solidFill>
+                  <a:prstClr val="black"/>
+                </a:solidFill>
+                <a:latin typeface="Calibri"/>
+              </a:rPr>
+              <a:t>BI Hierarchy and model update data available </a:t>
+            </a:r>
+            <a:r>
+              <a:rPr lang="en-US" sz="2400" dirty="0">
+                <a:solidFill>
+                  <a:prstClr val="black"/>
+                </a:solidFill>
+                <a:latin typeface="Calibri"/>
+                <a:hlinkClick r:id="rId3"/>
+              </a:rPr>
+              <a:t>here</a:t>
+            </a:r>
+            <a:endParaRPr lang="en-US" sz="2400" dirty="0">
+              <a:solidFill>
+                <a:prstClr val="black"/>
+              </a:solidFill>
+              <a:latin typeface="Calibri"/>
+            </a:endParaRPr>
+          </a:p>
+        </p:txBody>
+      </p:sp>
+    </p:spTree>
+    <p:extLst>
+      <p:ext uri="{BB962C8B-B14F-4D97-AF65-F5344CB8AC3E}">
+        <p14:creationId xmlns:p14="http://schemas.microsoft.com/office/powerpoint/2010/main" val="315435882"/>
+      </p:ext>
+    </p:extLst>
+  </p:cSld>
+  <p:clrMapOvr>
+    <a:masterClrMapping/>
+  </p:clrMapOvr>
+  <p:transition spd="slow">
+    <p:push dir="u"/>
+  </p:transition>
+</p:sld>
+</file>
+
+<file path=ppt/slides/slide6.xml><?xml version="1.0" encoding="utf-8"?>
+<p:sld xmlns:a="http://schemas.openxmlformats.org/drawingml/2006/main" xmlns:r="http://schemas.openxmlformats.org/officeDocument/2006/relationships" xmlns:p="http://schemas.openxmlformats.org/presentationml/2006/main">
+  <p:cSld>
+    <p:spTree>
+      <p:nvGrpSpPr>
+        <p:cNvPr id="1" name=""/>
+        <p:cNvGrpSpPr/>
+        <p:nvPr/>
+      </p:nvGrpSpPr>
+      <p:grpSpPr>
+        <a:xfrm>
+          <a:off x="0" y="0"/>
+          <a:ext cx="0" cy="0"/>
+          <a:chOff x="0" y="0"/>
+          <a:chExt cx="0" cy="0"/>
+        </a:xfrm>
+      </p:grpSpPr>
+      <p:sp>
+        <p:nvSpPr>
+          <p:cNvPr id="11" name="Title 10"/>
+          <p:cNvSpPr>
+            <a:spLocks noGrp="1"/>
+          </p:cNvSpPr>
+          <p:nvPr>
+            <p:ph type="title"/>
+          </p:nvPr>
+        </p:nvSpPr>
+        <p:spPr>
+          <a:xfrm>
+            <a:off x="-20279" y="41354"/>
+            <a:ext cx="10969943" cy="711081"/>
+          </a:xfrm>
+        </p:spPr>
+        <p:txBody>
+          <a:bodyPr>
+            <a:noAutofit/>
+          </a:bodyPr>
+          <a:lstStyle/>
+          <a:p>
+            <a:r>
+              <a:rPr lang="en-IN" dirty="0">
+                <a:solidFill>
+                  <a:schemeClr val="tx2">
+                    <a:lumMod val="60000"/>
+                    <a:lumOff val="40000"/>
+                  </a:schemeClr>
+                </a:solidFill>
+                <a:latin typeface="Patua One" pitchFamily="2" charset="0"/>
+              </a:rPr>
+              <a:t>Updating data in model</a:t>
+            </a:r>
+          </a:p>
+        </p:txBody>
+      </p:sp>
+      <p:sp>
+        <p:nvSpPr>
+          <p:cNvPr id="37" name="TextBox 36">
+            <a:extLst>
+              <a:ext uri="{FF2B5EF4-FFF2-40B4-BE49-F238E27FC236}">
+                <a16:creationId xmlns:a16="http://schemas.microsoft.com/office/drawing/2014/main" id="{E8CAC22F-1542-4031-BC6C-A16989886504}"/>
+              </a:ext>
+            </a:extLst>
+          </p:cNvPr>
+          <p:cNvSpPr txBox="1"/>
+          <p:nvPr/>
+        </p:nvSpPr>
+        <p:spPr>
+          <a:xfrm>
+            <a:off x="4943872" y="6550224"/>
+            <a:ext cx="3456384" cy="307777"/>
+          </a:xfrm>
+          <a:prstGeom prst="rect">
+            <a:avLst/>
+          </a:prstGeom>
+          <a:noFill/>
+        </p:spPr>
+        <p:txBody>
+          <a:bodyPr wrap="square" rtlCol="0">
+            <a:spAutoFit/>
+          </a:bodyPr>
+          <a:lstStyle/>
+          <a:p>
+            <a:pPr defTabSz="1218987">
+              <a:defRPr/>
+            </a:pPr>
+            <a:r>
+              <a:rPr lang="en-US" sz="1400" b="1" dirty="0">
+                <a:solidFill>
+                  <a:prstClr val="black"/>
+                </a:solidFill>
+                <a:latin typeface="Arial Rounded MT Bold" panose="020F0704030504030204" pitchFamily="34" charset="0"/>
+                <a:ea typeface="Arial Unicode MS" panose="020B0604020202020204" pitchFamily="34" charset="-128"/>
+                <a:cs typeface="Arial Unicode MS" panose="020B0604020202020204" pitchFamily="34" charset="-128"/>
+              </a:rPr>
+              <a:t>www.anubhavtrainings.com</a:t>
+            </a:r>
+            <a:endParaRPr lang="en-IN" sz="1400" b="1" dirty="0">
+              <a:solidFill>
+                <a:prstClr val="black"/>
+              </a:solidFill>
+              <a:latin typeface="Arial Rounded MT Bold" panose="020F0704030504030204" pitchFamily="34" charset="0"/>
+              <a:ea typeface="Arial Unicode MS" panose="020B0604020202020204" pitchFamily="34" charset="-128"/>
+              <a:cs typeface="Arial Unicode MS" panose="020B0604020202020204" pitchFamily="34" charset="-128"/>
+            </a:endParaRPr>
+          </a:p>
+        </p:txBody>
+      </p:sp>
+      <p:pic>
+        <p:nvPicPr>
+          <p:cNvPr id="40" name="Picture 39">
+            <a:extLst>
+              <a:ext uri="{FF2B5EF4-FFF2-40B4-BE49-F238E27FC236}">
+                <a16:creationId xmlns:a16="http://schemas.microsoft.com/office/drawing/2014/main" id="{DA60E6FB-8C44-4FEB-B6E9-83DA908565CD}"/>
+              </a:ext>
+            </a:extLst>
+          </p:cNvPr>
+          <p:cNvPicPr>
+            <a:picLocks noChangeAspect="1"/>
+          </p:cNvPicPr>
+          <p:nvPr/>
+        </p:nvPicPr>
+        <p:blipFill>
+          <a:blip r:embed="rId2">
+            <a:extLst>
+              <a:ext uri="{28A0092B-C50C-407E-A947-70E740481C1C}">
+                <a14:useLocalDpi xmlns:a14="http://schemas.microsoft.com/office/drawing/2010/main" val="0"/>
+              </a:ext>
+            </a:extLst>
+          </a:blip>
+          <a:stretch>
+            <a:fillRect/>
+          </a:stretch>
+        </p:blipFill>
+        <p:spPr>
+          <a:xfrm>
+            <a:off x="9624393" y="106009"/>
+            <a:ext cx="2335203" cy="762895"/>
+          </a:xfrm>
+          <a:prstGeom prst="rect">
+            <a:avLst/>
+          </a:prstGeom>
+        </p:spPr>
+      </p:pic>
+      <p:cxnSp>
+        <p:nvCxnSpPr>
+          <p:cNvPr id="41" name="Straight Connector 40">
+            <a:extLst>
+              <a:ext uri="{FF2B5EF4-FFF2-40B4-BE49-F238E27FC236}">
+                <a16:creationId xmlns:a16="http://schemas.microsoft.com/office/drawing/2014/main" id="{3B3B7D73-CAE9-45AC-ACCE-FAEF4E505C7A}"/>
+              </a:ext>
+            </a:extLst>
+          </p:cNvPr>
+          <p:cNvCxnSpPr/>
+          <p:nvPr/>
+        </p:nvCxnSpPr>
+        <p:spPr>
+          <a:xfrm>
+            <a:off x="1588" y="764704"/>
+            <a:ext cx="6479584" cy="0"/>
+          </a:xfrm>
+          <a:prstGeom prst="line">
+            <a:avLst/>
+          </a:prstGeom>
+        </p:spPr>
+        <p:style>
+          <a:lnRef idx="2">
+            <a:schemeClr val="accent6"/>
+          </a:lnRef>
+          <a:fillRef idx="0">
+            <a:schemeClr val="accent6"/>
+          </a:fillRef>
+          <a:effectRef idx="1">
+            <a:schemeClr val="accent6"/>
+          </a:effectRef>
+          <a:fontRef idx="minor">
+            <a:schemeClr val="tx1"/>
+          </a:fontRef>
+        </p:style>
+      </p:cxnSp>
+      <p:sp>
+        <p:nvSpPr>
+          <p:cNvPr id="2" name="TextBox 1">
+            <a:extLst>
+              <a:ext uri="{FF2B5EF4-FFF2-40B4-BE49-F238E27FC236}">
+                <a16:creationId xmlns:a16="http://schemas.microsoft.com/office/drawing/2014/main" id="{C202B2D0-B24F-4F31-B138-D79CFD59C913}"/>
+              </a:ext>
+            </a:extLst>
+          </p:cNvPr>
+          <p:cNvSpPr txBox="1"/>
+          <p:nvPr/>
+        </p:nvSpPr>
+        <p:spPr>
+          <a:xfrm>
+            <a:off x="228601" y="1066800"/>
+            <a:ext cx="11730995" cy="3785652"/>
+          </a:xfrm>
+          <a:prstGeom prst="rect">
+            <a:avLst/>
+          </a:prstGeom>
+          <a:noFill/>
+        </p:spPr>
+        <p:txBody>
+          <a:bodyPr wrap="square" rtlCol="0">
+            <a:spAutoFit/>
+          </a:bodyPr>
+          <a:lstStyle/>
+          <a:p>
+            <a:pPr defTabSz="1218987"/>
+            <a:r>
+              <a:rPr lang="en-US" sz="2400" dirty="0">
+                <a:solidFill>
+                  <a:prstClr val="black"/>
+                </a:solidFill>
+                <a:latin typeface="Calibri"/>
+              </a:rPr>
+              <a:t>When we use acquired data model, there is a need to reload(refresh) data on timely manner. Remember any new data which is manually added will be added as draft if not scheduled.</a:t>
+            </a:r>
+          </a:p>
+          <a:p>
+            <a:pPr defTabSz="1218987"/>
+            <a:endParaRPr lang="en-US" sz="2400" dirty="0">
+              <a:solidFill>
+                <a:prstClr val="black"/>
+              </a:solidFill>
+              <a:latin typeface="Calibri"/>
+            </a:endParaRPr>
+          </a:p>
+          <a:p>
+            <a:pPr marL="457200" indent="-457200" defTabSz="1218987">
+              <a:buFontTx/>
+              <a:buAutoNum type="arabicPeriod"/>
+            </a:pPr>
+            <a:r>
+              <a:rPr lang="en-US" sz="2400" dirty="0">
+                <a:solidFill>
+                  <a:prstClr val="black"/>
+                </a:solidFill>
+                <a:latin typeface="Calibri"/>
+              </a:rPr>
+              <a:t>Using Schedule</a:t>
+            </a:r>
+          </a:p>
+          <a:p>
+            <a:pPr marL="457200" indent="-457200" defTabSz="1218987">
+              <a:buFontTx/>
+              <a:buAutoNum type="arabicPeriod"/>
+            </a:pPr>
+            <a:r>
+              <a:rPr lang="en-US" sz="2400" dirty="0">
+                <a:solidFill>
+                  <a:prstClr val="black"/>
+                </a:solidFill>
+                <a:latin typeface="Calibri"/>
+              </a:rPr>
+              <a:t>Direct Refresh</a:t>
+            </a:r>
+          </a:p>
+          <a:p>
+            <a:pPr marL="457200" indent="-457200" defTabSz="1218987">
+              <a:buFontTx/>
+              <a:buAutoNum type="arabicPeriod"/>
+            </a:pPr>
+            <a:r>
+              <a:rPr lang="en-US" sz="2400" dirty="0">
+                <a:solidFill>
+                  <a:prstClr val="black"/>
+                </a:solidFill>
+                <a:latin typeface="Calibri"/>
+              </a:rPr>
+              <a:t>Draft Data Source</a:t>
+            </a:r>
+          </a:p>
+          <a:p>
+            <a:pPr marL="457200" indent="-457200" defTabSz="1218987">
+              <a:buFontTx/>
+              <a:buAutoNum type="arabicPeriod"/>
+            </a:pPr>
+            <a:endParaRPr lang="en-US" sz="2400" dirty="0">
+              <a:solidFill>
+                <a:prstClr val="black"/>
+              </a:solidFill>
+              <a:latin typeface="Calibri"/>
+            </a:endParaRPr>
+          </a:p>
+          <a:p>
+            <a:pPr defTabSz="1218987"/>
+            <a:r>
+              <a:rPr lang="en-US" sz="2400" dirty="0">
+                <a:solidFill>
+                  <a:prstClr val="black"/>
+                </a:solidFill>
+                <a:latin typeface="Calibri"/>
+              </a:rPr>
+              <a:t>SAC also allows Export jobs, which means we can also bring data out of SAC which is already in a model. It will help in scenarios like when source data is by mistake removed or we want data to move back after transformation by sac to another place.</a:t>
+            </a:r>
+          </a:p>
+        </p:txBody>
+      </p:sp>
+      <p:sp>
+        <p:nvSpPr>
+          <p:cNvPr id="7" name="TextBox 6">
+            <a:extLst>
+              <a:ext uri="{FF2B5EF4-FFF2-40B4-BE49-F238E27FC236}">
+                <a16:creationId xmlns:a16="http://schemas.microsoft.com/office/drawing/2014/main" id="{F3603DA6-7EFA-435C-9424-1D849E01237E}"/>
+              </a:ext>
+            </a:extLst>
+          </p:cNvPr>
+          <p:cNvSpPr txBox="1"/>
+          <p:nvPr/>
+        </p:nvSpPr>
+        <p:spPr>
+          <a:xfrm>
+            <a:off x="228601" y="5008840"/>
+            <a:ext cx="11430000" cy="461665"/>
+          </a:xfrm>
+          <a:prstGeom prst="rect">
+            <a:avLst/>
+          </a:prstGeom>
+          <a:noFill/>
+        </p:spPr>
+        <p:txBody>
+          <a:bodyPr wrap="square" rtlCol="0">
+            <a:spAutoFit/>
+          </a:bodyPr>
+          <a:lstStyle/>
+          <a:p>
+            <a:pPr defTabSz="1218987"/>
+            <a:r>
+              <a:rPr lang="en-US" sz="2400" dirty="0">
+                <a:solidFill>
+                  <a:prstClr val="black"/>
+                </a:solidFill>
+                <a:latin typeface="Calibri"/>
+              </a:rPr>
+              <a:t>Update data available </a:t>
+            </a:r>
+            <a:r>
+              <a:rPr lang="en-US" sz="2400" dirty="0">
+                <a:solidFill>
+                  <a:prstClr val="black"/>
+                </a:solidFill>
+                <a:latin typeface="Calibri"/>
+                <a:hlinkClick r:id="rId3"/>
+              </a:rPr>
+              <a:t>here</a:t>
+            </a:r>
+            <a:endParaRPr lang="en-US" sz="2400" dirty="0">
+              <a:solidFill>
+                <a:prstClr val="black"/>
+              </a:solidFill>
+              <a:latin typeface="Calibri"/>
+            </a:endParaRPr>
+          </a:p>
+        </p:txBody>
+      </p:sp>
+    </p:spTree>
+    <p:extLst>
+      <p:ext uri="{BB962C8B-B14F-4D97-AF65-F5344CB8AC3E}">
+        <p14:creationId xmlns:p14="http://schemas.microsoft.com/office/powerpoint/2010/main" val="572030217"/>
+      </p:ext>
+    </p:extLst>
+  </p:cSld>
+  <p:clrMapOvr>
+    <a:masterClrMapping/>
+  </p:clrMapOvr>
+  <p:transition spd="slow">
+    <p:push dir="u"/>
+  </p:transition>
+</p:sld>
+</file>
+
+<file path=ppt/slides/slide7.xml><?xml version="1.0" encoding="utf-8"?>
+<p:sld xmlns:a="http://schemas.openxmlformats.org/drawingml/2006/main" xmlns:r="http://schemas.openxmlformats.org/officeDocument/2006/relationships" xmlns:p="http://schemas.openxmlformats.org/presentationml/2006/main">
+  <p:cSld>
+    <p:spTree>
+      <p:nvGrpSpPr>
+        <p:cNvPr id="1" name=""/>
+        <p:cNvGrpSpPr/>
+        <p:nvPr/>
+      </p:nvGrpSpPr>
+      <p:grpSpPr>
+        <a:xfrm>
+          <a:off x="0" y="0"/>
+          <a:ext cx="0" cy="0"/>
+          <a:chOff x="0" y="0"/>
+          <a:chExt cx="0" cy="0"/>
+        </a:xfrm>
+      </p:grpSpPr>
+      <p:sp>
+        <p:nvSpPr>
+          <p:cNvPr id="2" name="Title 3">
+            <a:extLst>
+              <a:ext uri="{FF2B5EF4-FFF2-40B4-BE49-F238E27FC236}">
+                <a16:creationId xmlns:a16="http://schemas.microsoft.com/office/drawing/2014/main" id="{F07FC580-E2AB-4C55-8C95-D5E077A1D127}"/>
+              </a:ext>
+            </a:extLst>
+          </p:cNvPr>
+          <p:cNvSpPr txBox="1">
+            <a:spLocks/>
+          </p:cNvSpPr>
+          <p:nvPr/>
+        </p:nvSpPr>
+        <p:spPr>
+          <a:xfrm>
+            <a:off x="261764" y="188640"/>
+            <a:ext cx="11292008" cy="711081"/>
+          </a:xfrm>
+          <a:prstGeom prst="rect">
+            <a:avLst/>
+          </a:prstGeom>
+        </p:spPr>
+        <p:txBody>
+          <a:bodyPr/>
+          <a:lstStyle>
+            <a:lvl1pPr algn="l" defTabSz="914400" rtl="0" eaLnBrk="1" latinLnBrk="0" hangingPunct="1">
+              <a:lnSpc>
+                <a:spcPct val="90000"/>
+              </a:lnSpc>
+              <a:spcBef>
+                <a:spcPct val="0"/>
+              </a:spcBef>
+              <a:buNone/>
+              <a:defRPr sz="4400" kern="1200">
+                <a:solidFill>
+                  <a:schemeClr val="tx1"/>
+                </a:solidFill>
+                <a:latin typeface="+mj-lt"/>
+                <a:ea typeface="+mj-ea"/>
+                <a:cs typeface="+mj-cs"/>
+              </a:defRPr>
+            </a:lvl1pPr>
+          </a:lstStyle>
+          <a:p>
+            <a:endParaRPr lang="en-US" b="1" dirty="0"/>
+          </a:p>
+        </p:txBody>
+      </p:sp>
+      <p:sp>
+        <p:nvSpPr>
+          <p:cNvPr id="7" name="TextBox 6">
+            <a:extLst>
+              <a:ext uri="{FF2B5EF4-FFF2-40B4-BE49-F238E27FC236}">
+                <a16:creationId xmlns:a16="http://schemas.microsoft.com/office/drawing/2014/main" id="{17EB74BE-8011-4153-8F37-3BEF9C1F4CC0}"/>
+              </a:ext>
+            </a:extLst>
+          </p:cNvPr>
+          <p:cNvSpPr txBox="1"/>
+          <p:nvPr/>
+        </p:nvSpPr>
+        <p:spPr>
+          <a:xfrm>
+            <a:off x="3512128" y="2507734"/>
+            <a:ext cx="6174508" cy="1323439"/>
+          </a:xfrm>
+          <a:prstGeom prst="rect">
+            <a:avLst/>
+          </a:prstGeom>
+          <a:noFill/>
+        </p:spPr>
+        <p:txBody>
+          <a:bodyPr wrap="square">
+            <a:spAutoFit/>
+          </a:bodyPr>
+          <a:lstStyle/>
+          <a:p>
+            <a:r>
+              <a:rPr lang="en-US" sz="8000" b="1" dirty="0"/>
+              <a:t>End of Day 3</a:t>
+            </a:r>
+          </a:p>
+        </p:txBody>
+      </p:sp>
+    </p:spTree>
+    <p:extLst>
+      <p:ext uri="{BB962C8B-B14F-4D97-AF65-F5344CB8AC3E}">
+        <p14:creationId xmlns:p14="http://schemas.microsoft.com/office/powerpoint/2010/main" val="3867772902"/>
+      </p:ext>
+    </p:extLst>
+  </p:cSld>
+  <p:clrMapOvr>
+    <a:masterClrMapping/>
+  </p:clrMapOvr>
+</p:sld>
+</file>
+
+<file path=ppt/slides/slide8.xml><?xml version="1.0" encoding="utf-8"?>
+<p:sld xmlns:a="http://schemas.openxmlformats.org/drawingml/2006/main" xmlns:r="http://schemas.openxmlformats.org/officeDocument/2006/relationships" xmlns:p="http://schemas.openxmlformats.org/presentationml/2006/main">
+  <p:cSld>
+    <p:spTree>
+      <p:nvGrpSpPr>
+        <p:cNvPr id="1" name=""/>
+        <p:cNvGrpSpPr/>
+        <p:nvPr/>
+      </p:nvGrpSpPr>
+      <p:grpSpPr>
+        <a:xfrm>
+          <a:off x="0" y="0"/>
+          <a:ext cx="0" cy="0"/>
+          <a:chOff x="0" y="0"/>
+          <a:chExt cx="0" cy="0"/>
+        </a:xfrm>
+      </p:grpSpPr>
+      <p:pic>
+        <p:nvPicPr>
+          <p:cNvPr id="1028" name="Picture 4" descr="Free Vector | Flat people with question marks background">
+            <a:extLst>
+              <a:ext uri="{FF2B5EF4-FFF2-40B4-BE49-F238E27FC236}">
+                <a16:creationId xmlns:a16="http://schemas.microsoft.com/office/drawing/2014/main" id="{E158EC70-4769-4E41-A278-C90EC4E480C7}"/>
+              </a:ext>
+            </a:extLst>
+          </p:cNvPr>
+          <p:cNvPicPr>
+            <a:picLocks noChangeAspect="1" noChangeArrowheads="1"/>
+          </p:cNvPicPr>
+          <p:nvPr/>
+        </p:nvPicPr>
+        <p:blipFill rotWithShape="1">
+          <a:blip r:embed="rId2">
+            <a:extLst>
+              <a:ext uri="{28A0092B-C50C-407E-A947-70E740481C1C}">
+                <a14:useLocalDpi xmlns:a14="http://schemas.microsoft.com/office/drawing/2010/main" val="0"/>
+              </a:ext>
+            </a:extLst>
+          </a:blip>
+          <a:srcRect t="1" b="22246"/>
+          <a:stretch/>
+        </p:blipFill>
+        <p:spPr bwMode="auto">
+          <a:xfrm>
+            <a:off x="1848418" y="639706"/>
+            <a:ext cx="7599507" cy="5908876"/>
+          </a:xfrm>
+          <a:prstGeom prst="rect">
+            <a:avLst/>
+          </a:prstGeom>
+          <a:noFill/>
+          <a:extLst>
+            <a:ext uri="{909E8E84-426E-40DD-AFC4-6F175D3DCCD1}">
+              <a14:hiddenFill xmlns:a14="http://schemas.microsoft.com/office/drawing/2010/main">
+                <a:solidFill>
+                  <a:srgbClr val="FFFFFF"/>
+                </a:solidFill>
+              </a14:hiddenFill>
+            </a:ext>
+          </a:extLst>
+        </p:spPr>
+      </p:pic>
+      <p:sp>
+        <p:nvSpPr>
+          <p:cNvPr id="2" name="TextBox 1">
+            <a:extLst>
+              <a:ext uri="{FF2B5EF4-FFF2-40B4-BE49-F238E27FC236}">
+                <a16:creationId xmlns:a16="http://schemas.microsoft.com/office/drawing/2014/main" id="{994C3DB2-D47E-4B94-804B-87AF1FDEF86E}"/>
+              </a:ext>
+            </a:extLst>
+          </p:cNvPr>
+          <p:cNvSpPr txBox="1"/>
+          <p:nvPr/>
+        </p:nvSpPr>
+        <p:spPr>
+          <a:xfrm>
+            <a:off x="4535055" y="1052946"/>
+            <a:ext cx="5588000" cy="769441"/>
+          </a:xfrm>
+          <a:prstGeom prst="rect">
+            <a:avLst/>
+          </a:prstGeom>
+          <a:noFill/>
+        </p:spPr>
+        <p:txBody>
+          <a:bodyPr wrap="square" rtlCol="0">
+            <a:spAutoFit/>
+          </a:bodyPr>
+          <a:lstStyle/>
+          <a:p>
+            <a:r>
+              <a:rPr lang="en-US" sz="4400" b="1" dirty="0"/>
+              <a:t>Questions</a:t>
+            </a:r>
+          </a:p>
+        </p:txBody>
+      </p:sp>
+    </p:spTree>
+    <p:extLst>
+      <p:ext uri="{BB962C8B-B14F-4D97-AF65-F5344CB8AC3E}">
+        <p14:creationId xmlns:p14="http://schemas.microsoft.com/office/powerpoint/2010/main" val="1308118299"/>
+      </p:ext>
+    </p:extLst>
+  </p:cSld>
+  <p:clrMapOvr>
+    <a:masterClrMapping/>
+  </p:clrMapOvr>
+</p:sld>
+</file>
+
+<file path=ppt/slides/slide9.xml><?xml version="1.0" encoding="utf-8"?>
 <p:sld xmlns:a="http://schemas.openxmlformats.org/drawingml/2006/main" xmlns:r="http://schemas.openxmlformats.org/officeDocument/2006/relationships" xmlns:p="http://schemas.openxmlformats.org/presentationml/2006/main">
   <p:cSld>
     <p:bg>
@@ -8727,7 +10937,7 @@
           <p:cNvPr id="2052" name="Picture 4" descr="Ski Jumping Arena - Free Presentation Templates">
             <a:extLst>
               <a:ext uri="{FF2B5EF4-FFF2-40B4-BE49-F238E27FC236}">
-                <a16:creationId xmlns:a16="http://schemas.microsoft.com/office/drawing/2014/main" xmlns="" id="{B0D7E6A1-F72A-4F69-B4FB-A4ED7A0C6CED}"/>
+                <a16:creationId xmlns:a16="http://schemas.microsoft.com/office/drawing/2014/main" id="{B0D7E6A1-F72A-4F69-B4FB-A4ED7A0C6CED}"/>
               </a:ext>
             </a:extLst>
           </p:cNvPr>
@@ -8890,2304 +11100,6 @@
       </p:transition>
     </mc:Fallback>
   </mc:AlternateContent>
-</p:sld>
-</file>
-
-<file path=ppt/slides/slide2.xml><?xml version="1.0" encoding="utf-8"?>
-<p:sld xmlns:a="http://schemas.openxmlformats.org/drawingml/2006/main" xmlns:r="http://schemas.openxmlformats.org/officeDocument/2006/relationships" xmlns:p="http://schemas.openxmlformats.org/presentationml/2006/main">
-  <p:cSld>
-    <p:spTree>
-      <p:nvGrpSpPr>
-        <p:cNvPr id="1" name=""/>
-        <p:cNvGrpSpPr/>
-        <p:nvPr/>
-      </p:nvGrpSpPr>
-      <p:grpSpPr>
-        <a:xfrm>
-          <a:off x="0" y="0"/>
-          <a:ext cx="0" cy="0"/>
-          <a:chOff x="0" y="0"/>
-          <a:chExt cx="0" cy="0"/>
-        </a:xfrm>
-      </p:grpSpPr>
-      <p:sp>
-        <p:nvSpPr>
-          <p:cNvPr id="2" name="Title 3">
-            <a:extLst>
-              <a:ext uri="{FF2B5EF4-FFF2-40B4-BE49-F238E27FC236}">
-                <a16:creationId xmlns:a16="http://schemas.microsoft.com/office/drawing/2014/main" xmlns="" id="{F07FC580-E2AB-4C55-8C95-D5E077A1D127}"/>
-              </a:ext>
-            </a:extLst>
-          </p:cNvPr>
-          <p:cNvSpPr txBox="1">
-            <a:spLocks/>
-          </p:cNvSpPr>
-          <p:nvPr/>
-        </p:nvSpPr>
-        <p:spPr>
-          <a:xfrm>
-            <a:off x="261764" y="188640"/>
-            <a:ext cx="11292008" cy="711081"/>
-          </a:xfrm>
-          <a:prstGeom prst="rect">
-            <a:avLst/>
-          </a:prstGeom>
-        </p:spPr>
-        <p:txBody>
-          <a:bodyPr/>
-          <a:lstStyle>
-            <a:lvl1pPr algn="l" defTabSz="914400" rtl="0" eaLnBrk="1" latinLnBrk="0" hangingPunct="1">
-              <a:lnSpc>
-                <a:spcPct val="90000"/>
-              </a:lnSpc>
-              <a:spcBef>
-                <a:spcPct val="0"/>
-              </a:spcBef>
-              <a:buNone/>
-              <a:defRPr sz="4400" kern="1200">
-                <a:solidFill>
-                  <a:schemeClr val="tx1"/>
-                </a:solidFill>
-                <a:latin typeface="+mj-lt"/>
-                <a:ea typeface="+mj-ea"/>
-                <a:cs typeface="+mj-cs"/>
-              </a:defRPr>
-            </a:lvl1pPr>
-          </a:lstStyle>
-          <a:p>
-            <a:pPr marL="0" marR="0" lvl="0" indent="0" algn="l" defTabSz="914400" rtl="0" eaLnBrk="1" fontAlgn="auto" latinLnBrk="0" hangingPunct="1">
-              <a:lnSpc>
-                <a:spcPct val="90000"/>
-              </a:lnSpc>
-              <a:spcBef>
-                <a:spcPct val="0"/>
-              </a:spcBef>
-              <a:spcAft>
-                <a:spcPts val="0"/>
-              </a:spcAft>
-              <a:buClrTx/>
-              <a:buSzTx/>
-              <a:buFontTx/>
-              <a:buNone/>
-              <a:tabLst/>
-              <a:defRPr/>
-            </a:pPr>
-            <a:r>
-              <a:rPr kumimoji="0" lang="en-US" sz="4400" b="1" i="0" u="none" strike="noStrike" kern="1200" cap="none" spc="0" normalizeH="0" baseline="0" noProof="0" dirty="0">
-                <a:ln>
-                  <a:noFill/>
-                </a:ln>
-                <a:solidFill>
-                  <a:prstClr val="black"/>
-                </a:solidFill>
-                <a:effectLst/>
-                <a:uLnTx/>
-                <a:uFillTx/>
-                <a:latin typeface="Calibri Light" panose="020F0302020204030204"/>
-                <a:ea typeface="+mj-ea"/>
-                <a:cs typeface="+mj-cs"/>
-              </a:rPr>
-              <a:t>Agenda – Day 3</a:t>
-            </a:r>
-          </a:p>
-        </p:txBody>
-      </p:sp>
-      <p:sp>
-        <p:nvSpPr>
-          <p:cNvPr id="4" name="Footer Placeholder 45">
-            <a:extLst>
-              <a:ext uri="{FF2B5EF4-FFF2-40B4-BE49-F238E27FC236}">
-                <a16:creationId xmlns:a16="http://schemas.microsoft.com/office/drawing/2014/main" xmlns="" id="{90E33047-DFF5-4690-8905-31E4C115EFDC}"/>
-              </a:ext>
-            </a:extLst>
-          </p:cNvPr>
-          <p:cNvSpPr>
-            <a:spLocks noGrp="1"/>
-          </p:cNvSpPr>
-          <p:nvPr>
-            <p:ph type="ftr" sz="quarter" idx="11"/>
-          </p:nvPr>
-        </p:nvSpPr>
-        <p:spPr>
-          <a:xfrm>
-            <a:off x="10123055" y="6548582"/>
-            <a:ext cx="2225295" cy="203620"/>
-          </a:xfrm>
-        </p:spPr>
-        <p:txBody>
-          <a:bodyPr/>
-          <a:lstStyle/>
-          <a:p>
-            <a:pPr marL="0" marR="0" lvl="0" indent="0" algn="ctr" defTabSz="914400" rtl="0" eaLnBrk="1" fontAlgn="auto" latinLnBrk="0" hangingPunct="1">
-              <a:lnSpc>
-                <a:spcPct val="100000"/>
-              </a:lnSpc>
-              <a:spcBef>
-                <a:spcPts val="0"/>
-              </a:spcBef>
-              <a:spcAft>
-                <a:spcPts val="0"/>
-              </a:spcAft>
-              <a:buClrTx/>
-              <a:buSzTx/>
-              <a:buFontTx/>
-              <a:buNone/>
-              <a:tabLst/>
-              <a:defRPr/>
-            </a:pPr>
-            <a:r>
-              <a:rPr kumimoji="0" lang="en-US" sz="1200" b="1" i="0" u="none" strike="noStrike" kern="1200" cap="none" spc="0" normalizeH="0" baseline="0" noProof="0" dirty="0">
-                <a:ln>
-                  <a:noFill/>
-                </a:ln>
-                <a:solidFill>
-                  <a:prstClr val="black"/>
-                </a:solidFill>
-                <a:effectLst/>
-                <a:uLnTx/>
-                <a:uFillTx/>
-                <a:latin typeface="Calibri" panose="020F0502020204030204"/>
-                <a:ea typeface="+mn-ea"/>
-                <a:cs typeface="+mn-cs"/>
-              </a:rPr>
-              <a:t>Anubhav trainings</a:t>
-            </a:r>
-          </a:p>
-        </p:txBody>
-      </p:sp>
-      <p:sp>
-        <p:nvSpPr>
-          <p:cNvPr id="5" name="TextBox 4">
-            <a:extLst>
-              <a:ext uri="{FF2B5EF4-FFF2-40B4-BE49-F238E27FC236}">
-                <a16:creationId xmlns:a16="http://schemas.microsoft.com/office/drawing/2014/main" xmlns="" id="{27E5B41D-1DDF-48C9-A5AF-075F84492B68}"/>
-              </a:ext>
-            </a:extLst>
-          </p:cNvPr>
-          <p:cNvSpPr txBox="1"/>
-          <p:nvPr/>
-        </p:nvSpPr>
-        <p:spPr>
-          <a:xfrm>
-            <a:off x="247878" y="982353"/>
-            <a:ext cx="11696243" cy="4770537"/>
-          </a:xfrm>
-          <a:prstGeom prst="rect">
-            <a:avLst/>
-          </a:prstGeom>
-          <a:noFill/>
-        </p:spPr>
-        <p:txBody>
-          <a:bodyPr wrap="square" rtlCol="0">
-            <a:spAutoFit/>
-          </a:bodyPr>
-          <a:lstStyle/>
-          <a:p>
-            <a:pPr marL="0" marR="0" lvl="0" indent="0" algn="l" defTabSz="914400" rtl="0" eaLnBrk="1" fontAlgn="auto" latinLnBrk="0" hangingPunct="1">
-              <a:lnSpc>
-                <a:spcPct val="100000"/>
-              </a:lnSpc>
-              <a:spcBef>
-                <a:spcPts val="0"/>
-              </a:spcBef>
-              <a:spcAft>
-                <a:spcPts val="0"/>
-              </a:spcAft>
-              <a:buClrTx/>
-              <a:buSzTx/>
-              <a:buFontTx/>
-              <a:buNone/>
-              <a:tabLst/>
-              <a:defRPr/>
-            </a:pPr>
-            <a:r>
-              <a:rPr kumimoji="0" lang="en-US" sz="1600" b="1" i="0" u="none" strike="noStrike" kern="1200" cap="none" spc="0" normalizeH="0" baseline="0" noProof="0" dirty="0">
-                <a:ln>
-                  <a:noFill/>
-                </a:ln>
-                <a:solidFill>
-                  <a:prstClr val="black"/>
-                </a:solidFill>
-                <a:effectLst/>
-                <a:uLnTx/>
-                <a:uFillTx/>
-                <a:latin typeface="Calibri" panose="020F0502020204030204"/>
-                <a:ea typeface="+mn-ea"/>
-                <a:cs typeface="+mn-cs"/>
-              </a:rPr>
-              <a:t>Hands on- BI Scenario Extension</a:t>
-            </a:r>
-          </a:p>
-          <a:p>
-            <a:pPr marL="0" marR="0" lvl="0" indent="0" algn="l" defTabSz="914400" rtl="0" eaLnBrk="1" fontAlgn="auto" latinLnBrk="0" hangingPunct="1">
-              <a:lnSpc>
-                <a:spcPct val="100000"/>
-              </a:lnSpc>
-              <a:spcBef>
-                <a:spcPts val="0"/>
-              </a:spcBef>
-              <a:spcAft>
-                <a:spcPts val="0"/>
-              </a:spcAft>
-              <a:buClrTx/>
-              <a:buSzTx/>
-              <a:buFontTx/>
-              <a:buNone/>
-              <a:tabLst/>
-              <a:defRPr/>
-            </a:pPr>
-            <a:r>
-              <a:rPr kumimoji="0" lang="en-US" sz="1600" b="0" i="0" u="none" strike="noStrike" kern="1200" cap="none" spc="0" normalizeH="0" baseline="0" noProof="0" dirty="0">
-                <a:ln>
-                  <a:noFill/>
-                </a:ln>
-                <a:solidFill>
-                  <a:prstClr val="black"/>
-                </a:solidFill>
-                <a:effectLst/>
-                <a:uLnTx/>
-                <a:uFillTx/>
-                <a:latin typeface="Calibri" panose="020F0502020204030204"/>
-                <a:ea typeface="+mn-ea"/>
-                <a:cs typeface="+mn-cs"/>
-              </a:rPr>
-              <a:t>	- Add Waterfall chart</a:t>
-            </a:r>
-          </a:p>
-          <a:p>
-            <a:pPr>
-              <a:defRPr/>
-            </a:pPr>
-            <a:r>
-              <a:rPr lang="en-US" sz="1600" dirty="0">
-                <a:solidFill>
-                  <a:prstClr val="black"/>
-                </a:solidFill>
-                <a:latin typeface="Calibri" panose="020F0502020204030204"/>
-              </a:rPr>
-              <a:t>	</a:t>
-            </a:r>
-            <a:r>
-              <a:rPr kumimoji="0" lang="en-US" sz="1600" b="0" i="0" u="none" strike="noStrike" kern="1200" cap="none" spc="0" normalizeH="0" baseline="0" noProof="0" dirty="0">
-                <a:ln>
-                  <a:noFill/>
-                </a:ln>
-                <a:solidFill>
-                  <a:prstClr val="black"/>
-                </a:solidFill>
-                <a:effectLst/>
-                <a:uLnTx/>
-                <a:uFillTx/>
-                <a:latin typeface="Calibri" panose="020F0502020204030204"/>
-                <a:ea typeface="+mn-ea"/>
-                <a:cs typeface="+mn-cs"/>
-              </a:rPr>
-              <a:t>- Stack Column Chart with Heatmaps</a:t>
-            </a:r>
-          </a:p>
-          <a:p>
-            <a:pPr>
-              <a:defRPr/>
-            </a:pPr>
-            <a:r>
-              <a:rPr lang="en-US" sz="1600" dirty="0">
-                <a:solidFill>
-                  <a:prstClr val="black"/>
-                </a:solidFill>
-                <a:latin typeface="Calibri" panose="020F0502020204030204"/>
-              </a:rPr>
-              <a:t>	</a:t>
-            </a:r>
-            <a:r>
-              <a:rPr kumimoji="0" lang="en-US" sz="1600" b="0" i="0" u="none" strike="noStrike" kern="1200" cap="none" spc="0" normalizeH="0" baseline="0" noProof="0" dirty="0">
-                <a:ln>
-                  <a:noFill/>
-                </a:ln>
-                <a:solidFill>
-                  <a:prstClr val="black"/>
-                </a:solidFill>
-                <a:effectLst/>
-                <a:uLnTx/>
-                <a:uFillTx/>
-                <a:latin typeface="Calibri" panose="020F0502020204030204"/>
-                <a:ea typeface="+mn-ea"/>
-                <a:cs typeface="+mn-cs"/>
-              </a:rPr>
-              <a:t>- Dynamic page filtering</a:t>
-            </a:r>
-          </a:p>
-          <a:p>
-            <a:pPr>
-              <a:defRPr/>
-            </a:pPr>
-            <a:r>
-              <a:rPr lang="en-US" sz="1600" dirty="0">
-                <a:solidFill>
-                  <a:prstClr val="black"/>
-                </a:solidFill>
-                <a:latin typeface="Calibri" panose="020F0502020204030204"/>
-              </a:rPr>
-              <a:t>	</a:t>
-            </a:r>
-            <a:r>
-              <a:rPr kumimoji="0" lang="en-US" sz="1600" b="0" i="0" u="none" strike="noStrike" kern="1200" cap="none" spc="0" normalizeH="0" baseline="0" noProof="0" dirty="0">
-                <a:ln>
-                  <a:noFill/>
-                </a:ln>
-                <a:solidFill>
-                  <a:prstClr val="black"/>
-                </a:solidFill>
-                <a:effectLst/>
-                <a:uLnTx/>
-                <a:uFillTx/>
-                <a:latin typeface="Calibri" panose="020F0502020204030204"/>
-                <a:ea typeface="+mn-ea"/>
-                <a:cs typeface="+mn-cs"/>
-              </a:rPr>
-              <a:t>- Table Control and Styling</a:t>
-            </a:r>
-          </a:p>
-          <a:p>
-            <a:pPr>
-              <a:defRPr/>
-            </a:pPr>
-            <a:r>
-              <a:rPr lang="en-US" sz="1600" dirty="0">
-                <a:solidFill>
-                  <a:prstClr val="black"/>
-                </a:solidFill>
-                <a:latin typeface="Calibri" panose="020F0502020204030204"/>
-              </a:rPr>
-              <a:t>	</a:t>
-            </a:r>
-            <a:r>
-              <a:rPr kumimoji="0" lang="en-US" sz="1600" b="0" i="0" u="none" strike="noStrike" kern="1200" cap="none" spc="0" normalizeH="0" baseline="0" noProof="0" dirty="0">
-                <a:ln>
-                  <a:noFill/>
-                </a:ln>
-                <a:solidFill>
-                  <a:prstClr val="black"/>
-                </a:solidFill>
-                <a:effectLst/>
-                <a:uLnTx/>
-                <a:uFillTx/>
-                <a:latin typeface="Calibri" panose="020F0502020204030204"/>
-                <a:ea typeface="+mn-ea"/>
-                <a:cs typeface="+mn-cs"/>
-              </a:rPr>
-              <a:t>- Measure based dimension </a:t>
-            </a:r>
-          </a:p>
-          <a:p>
-            <a:pPr>
-              <a:defRPr/>
-            </a:pPr>
-            <a:r>
-              <a:rPr lang="en-US" sz="1600" dirty="0">
-                <a:solidFill>
-                  <a:prstClr val="black"/>
-                </a:solidFill>
-                <a:latin typeface="Calibri" panose="020F0502020204030204"/>
-              </a:rPr>
-              <a:t>	</a:t>
-            </a:r>
-            <a:r>
-              <a:rPr kumimoji="0" lang="en-US" sz="1600" b="0" i="0" u="none" strike="noStrike" kern="1200" cap="none" spc="0" normalizeH="0" baseline="0" noProof="0" dirty="0">
-                <a:ln>
-                  <a:noFill/>
-                </a:ln>
-                <a:solidFill>
-                  <a:prstClr val="black"/>
-                </a:solidFill>
-                <a:effectLst/>
-                <a:uLnTx/>
-                <a:uFillTx/>
-                <a:latin typeface="Calibri" panose="020F0502020204030204"/>
-                <a:ea typeface="+mn-ea"/>
-                <a:cs typeface="+mn-cs"/>
-              </a:rPr>
-              <a:t>- Filtering data based on dimension</a:t>
-            </a:r>
-          </a:p>
-          <a:p>
-            <a:pPr>
-              <a:defRPr/>
-            </a:pPr>
-            <a:r>
-              <a:rPr lang="en-US" sz="1600" dirty="0">
-                <a:solidFill>
-                  <a:prstClr val="black"/>
-                </a:solidFill>
-                <a:latin typeface="Calibri" panose="020F0502020204030204"/>
-              </a:rPr>
-              <a:t>	</a:t>
-            </a:r>
-            <a:r>
-              <a:rPr kumimoji="0" lang="en-US" sz="1600" b="0" i="0" u="none" strike="noStrike" kern="1200" cap="none" spc="0" normalizeH="0" baseline="0" noProof="0" dirty="0">
-                <a:ln>
-                  <a:noFill/>
-                </a:ln>
-                <a:solidFill>
-                  <a:prstClr val="black"/>
-                </a:solidFill>
-                <a:effectLst/>
-                <a:uLnTx/>
-                <a:uFillTx/>
-                <a:latin typeface="Calibri" panose="020F0502020204030204"/>
-                <a:ea typeface="+mn-ea"/>
-                <a:cs typeface="+mn-cs"/>
-              </a:rPr>
-              <a:t>- Blending</a:t>
-            </a:r>
-          </a:p>
-          <a:p>
-            <a:pPr>
-              <a:defRPr/>
-            </a:pPr>
-            <a:r>
-              <a:rPr lang="en-US" sz="1600" dirty="0">
-                <a:solidFill>
-                  <a:prstClr val="black"/>
-                </a:solidFill>
-                <a:latin typeface="Calibri" panose="020F0502020204030204"/>
-              </a:rPr>
-              <a:t>	- Concept of Trellis and Chart Scaling</a:t>
-            </a:r>
-            <a:endParaRPr kumimoji="0" lang="en-US" sz="1600" b="0" i="0" u="none" strike="noStrike" kern="1200" cap="none" spc="0" normalizeH="0" baseline="0" noProof="0" dirty="0">
-              <a:ln>
-                <a:noFill/>
-              </a:ln>
-              <a:solidFill>
-                <a:prstClr val="black"/>
-              </a:solidFill>
-              <a:effectLst/>
-              <a:uLnTx/>
-              <a:uFillTx/>
-              <a:latin typeface="Calibri" panose="020F0502020204030204"/>
-              <a:ea typeface="+mn-ea"/>
-              <a:cs typeface="+mn-cs"/>
-            </a:endParaRPr>
-          </a:p>
-          <a:p>
-            <a:pPr marL="0" marR="0" lvl="0" indent="0" algn="l" defTabSz="914400" rtl="0" eaLnBrk="1" fontAlgn="auto" latinLnBrk="0" hangingPunct="1">
-              <a:lnSpc>
-                <a:spcPct val="100000"/>
-              </a:lnSpc>
-              <a:spcBef>
-                <a:spcPts val="0"/>
-              </a:spcBef>
-              <a:spcAft>
-                <a:spcPts val="0"/>
-              </a:spcAft>
-              <a:buClrTx/>
-              <a:buSzTx/>
-              <a:buFontTx/>
-              <a:buNone/>
-              <a:tabLst/>
-              <a:defRPr/>
-            </a:pPr>
-            <a:endParaRPr kumimoji="0" lang="en-US" sz="1600" b="0" i="0" u="none" strike="noStrike" kern="1200" cap="none" spc="0" normalizeH="0" baseline="0" noProof="0" dirty="0">
-              <a:ln>
-                <a:noFill/>
-              </a:ln>
-              <a:solidFill>
-                <a:prstClr val="black"/>
-              </a:solidFill>
-              <a:effectLst/>
-              <a:uLnTx/>
-              <a:uFillTx/>
-              <a:latin typeface="Calibri" panose="020F0502020204030204"/>
-              <a:ea typeface="+mn-ea"/>
-              <a:cs typeface="+mn-cs"/>
-            </a:endParaRPr>
-          </a:p>
-          <a:p>
-            <a:pPr marL="0" marR="0" lvl="0" indent="0" algn="l" defTabSz="914400" rtl="0" eaLnBrk="1" fontAlgn="auto" latinLnBrk="0" hangingPunct="1">
-              <a:lnSpc>
-                <a:spcPct val="100000"/>
-              </a:lnSpc>
-              <a:spcBef>
-                <a:spcPts val="0"/>
-              </a:spcBef>
-              <a:spcAft>
-                <a:spcPts val="0"/>
-              </a:spcAft>
-              <a:buClrTx/>
-              <a:buSzTx/>
-              <a:buFontTx/>
-              <a:buNone/>
-              <a:tabLst/>
-              <a:defRPr/>
-            </a:pPr>
-            <a:r>
-              <a:rPr kumimoji="0" lang="en-US" sz="1600" b="0" i="0" u="none" strike="noStrike" kern="1200" cap="none" spc="0" normalizeH="0" baseline="0" noProof="0" dirty="0">
-                <a:ln>
-                  <a:noFill/>
-                </a:ln>
-                <a:solidFill>
-                  <a:prstClr val="black"/>
-                </a:solidFill>
-                <a:effectLst/>
-                <a:uLnTx/>
-                <a:uFillTx/>
-                <a:latin typeface="Calibri" panose="020F0502020204030204"/>
-                <a:ea typeface="+mn-ea"/>
-                <a:cs typeface="+mn-cs"/>
-              </a:rPr>
-              <a:t>---Break---</a:t>
-            </a:r>
-          </a:p>
-          <a:p>
-            <a:pPr marL="0" marR="0" lvl="0" indent="0" algn="l" defTabSz="914400" rtl="0" eaLnBrk="1" fontAlgn="auto" latinLnBrk="0" hangingPunct="1">
-              <a:lnSpc>
-                <a:spcPct val="100000"/>
-              </a:lnSpc>
-              <a:spcBef>
-                <a:spcPts val="0"/>
-              </a:spcBef>
-              <a:spcAft>
-                <a:spcPts val="0"/>
-              </a:spcAft>
-              <a:buClrTx/>
-              <a:buSzTx/>
-              <a:buFontTx/>
-              <a:buNone/>
-              <a:tabLst/>
-              <a:defRPr/>
-            </a:pPr>
-            <a:endParaRPr kumimoji="0" lang="en-US" sz="1600" b="1" i="0" u="none" strike="noStrike" kern="1200" cap="none" spc="0" normalizeH="0" baseline="0" noProof="0" dirty="0">
-              <a:ln>
-                <a:noFill/>
-              </a:ln>
-              <a:solidFill>
-                <a:prstClr val="black"/>
-              </a:solidFill>
-              <a:effectLst/>
-              <a:uLnTx/>
-              <a:uFillTx/>
-              <a:latin typeface="Calibri" panose="020F0502020204030204"/>
-              <a:ea typeface="+mn-ea"/>
-              <a:cs typeface="+mn-cs"/>
-            </a:endParaRPr>
-          </a:p>
-          <a:p>
-            <a:pPr marL="0" marR="0" lvl="0" indent="0" algn="l" defTabSz="914400" rtl="0" eaLnBrk="1" fontAlgn="auto" latinLnBrk="0" hangingPunct="1">
-              <a:lnSpc>
-                <a:spcPct val="100000"/>
-              </a:lnSpc>
-              <a:spcBef>
-                <a:spcPts val="0"/>
-              </a:spcBef>
-              <a:spcAft>
-                <a:spcPts val="0"/>
-              </a:spcAft>
-              <a:buClrTx/>
-              <a:buSzTx/>
-              <a:buFontTx/>
-              <a:buNone/>
-              <a:tabLst/>
-              <a:defRPr/>
-            </a:pPr>
-            <a:r>
-              <a:rPr kumimoji="0" lang="en-US" sz="1600" b="1" i="0" u="none" strike="noStrike" kern="1200" cap="none" spc="0" normalizeH="0" baseline="0" noProof="0" dirty="0">
-                <a:ln>
-                  <a:noFill/>
-                </a:ln>
-                <a:solidFill>
-                  <a:prstClr val="black"/>
-                </a:solidFill>
-                <a:effectLst/>
-                <a:uLnTx/>
-                <a:uFillTx/>
-                <a:latin typeface="Calibri" panose="020F0502020204030204"/>
-                <a:ea typeface="+mn-ea"/>
-                <a:cs typeface="+mn-cs"/>
-              </a:rPr>
-              <a:t>Model updates &amp; Advance BI</a:t>
-            </a:r>
-          </a:p>
-          <a:p>
-            <a:pPr marL="0" marR="0" lvl="0" indent="0" algn="l" defTabSz="914400" rtl="0" eaLnBrk="1" fontAlgn="auto" latinLnBrk="0" hangingPunct="1">
-              <a:lnSpc>
-                <a:spcPct val="100000"/>
-              </a:lnSpc>
-              <a:spcBef>
-                <a:spcPts val="0"/>
-              </a:spcBef>
-              <a:spcAft>
-                <a:spcPts val="0"/>
-              </a:spcAft>
-              <a:buClrTx/>
-              <a:buSzTx/>
-              <a:buFontTx/>
-              <a:buNone/>
-              <a:tabLst/>
-              <a:defRPr/>
-            </a:pPr>
-            <a:r>
-              <a:rPr kumimoji="0" lang="en-US" sz="1600" b="0" i="0" u="none" strike="noStrike" kern="1200" cap="none" spc="0" normalizeH="0" baseline="0" noProof="0" dirty="0">
-                <a:ln>
-                  <a:noFill/>
-                </a:ln>
-                <a:solidFill>
-                  <a:prstClr val="black"/>
-                </a:solidFill>
-                <a:effectLst/>
-                <a:uLnTx/>
-                <a:uFillTx/>
-                <a:latin typeface="Calibri" panose="020F0502020204030204"/>
-                <a:ea typeface="+mn-ea"/>
-                <a:cs typeface="+mn-cs"/>
-              </a:rPr>
-              <a:t>                    - Create data model using google drive</a:t>
-            </a:r>
-          </a:p>
-          <a:p>
-            <a:pPr marL="0" marR="0" lvl="0" indent="0" algn="l" defTabSz="914400" rtl="0" eaLnBrk="1" fontAlgn="auto" latinLnBrk="0" hangingPunct="1">
-              <a:lnSpc>
-                <a:spcPct val="100000"/>
-              </a:lnSpc>
-              <a:spcBef>
-                <a:spcPts val="0"/>
-              </a:spcBef>
-              <a:spcAft>
-                <a:spcPts val="0"/>
-              </a:spcAft>
-              <a:buClrTx/>
-              <a:buSzTx/>
-              <a:buFontTx/>
-              <a:buNone/>
-              <a:tabLst/>
-              <a:defRPr/>
-            </a:pPr>
-            <a:r>
-              <a:rPr kumimoji="0" lang="en-US" sz="1600" b="0" i="0" u="none" strike="noStrike" kern="1200" cap="none" spc="0" normalizeH="0" baseline="0" noProof="0" dirty="0">
-                <a:ln>
-                  <a:noFill/>
-                </a:ln>
-                <a:solidFill>
-                  <a:prstClr val="black"/>
-                </a:solidFill>
-                <a:effectLst/>
-                <a:uLnTx/>
-                <a:uFillTx/>
-                <a:latin typeface="Calibri" panose="020F0502020204030204"/>
-                <a:ea typeface="+mn-ea"/>
-                <a:cs typeface="+mn-cs"/>
-              </a:rPr>
-              <a:t>	- Create hierarchies and Basic BI</a:t>
-            </a:r>
-          </a:p>
-          <a:p>
-            <a:pPr marL="0" marR="0" lvl="0" indent="0" algn="l" defTabSz="914400" rtl="0" eaLnBrk="1" fontAlgn="auto" latinLnBrk="0" hangingPunct="1">
-              <a:lnSpc>
-                <a:spcPct val="100000"/>
-              </a:lnSpc>
-              <a:spcBef>
-                <a:spcPts val="0"/>
-              </a:spcBef>
-              <a:spcAft>
-                <a:spcPts val="0"/>
-              </a:spcAft>
-              <a:buClrTx/>
-              <a:buSzTx/>
-              <a:buFontTx/>
-              <a:buNone/>
-              <a:tabLst/>
-              <a:defRPr/>
-            </a:pPr>
-            <a:r>
-              <a:rPr kumimoji="0" lang="en-US" sz="1600" b="0" i="0" u="none" strike="noStrike" kern="1200" cap="none" spc="0" normalizeH="0" baseline="0" noProof="0" dirty="0">
-                <a:ln>
-                  <a:noFill/>
-                </a:ln>
-                <a:solidFill>
-                  <a:prstClr val="black"/>
-                </a:solidFill>
-                <a:effectLst/>
-                <a:uLnTx/>
-                <a:uFillTx/>
-                <a:latin typeface="Calibri" panose="020F0502020204030204"/>
-                <a:ea typeface="+mn-ea"/>
-                <a:cs typeface="+mn-cs"/>
-              </a:rPr>
-              <a:t>	- Update Models using Draft data</a:t>
-            </a:r>
-          </a:p>
-          <a:p>
-            <a:pPr marL="0" marR="0" lvl="0" indent="0" algn="l" defTabSz="914400" rtl="0" eaLnBrk="1" fontAlgn="auto" latinLnBrk="0" hangingPunct="1">
-              <a:lnSpc>
-                <a:spcPct val="100000"/>
-              </a:lnSpc>
-              <a:spcBef>
-                <a:spcPts val="0"/>
-              </a:spcBef>
-              <a:spcAft>
-                <a:spcPts val="0"/>
-              </a:spcAft>
-              <a:buClrTx/>
-              <a:buSzTx/>
-              <a:buFontTx/>
-              <a:buNone/>
-              <a:tabLst/>
-              <a:defRPr/>
-            </a:pPr>
-            <a:r>
-              <a:rPr kumimoji="0" lang="en-US" sz="1600" b="0" i="0" u="none" strike="noStrike" kern="1200" cap="none" spc="0" normalizeH="0" baseline="0" noProof="0" dirty="0">
-                <a:ln>
-                  <a:noFill/>
-                </a:ln>
-                <a:solidFill>
-                  <a:prstClr val="black"/>
-                </a:solidFill>
-                <a:effectLst/>
-                <a:uLnTx/>
-                <a:uFillTx/>
-                <a:latin typeface="Calibri" panose="020F0502020204030204"/>
-                <a:ea typeface="+mn-ea"/>
-                <a:cs typeface="+mn-cs"/>
-              </a:rPr>
-              <a:t>	- Concept of Variance</a:t>
-            </a:r>
-          </a:p>
-          <a:p>
-            <a:pPr marL="0" marR="0" lvl="0" indent="0" algn="l" defTabSz="914400" rtl="0" eaLnBrk="1" fontAlgn="auto" latinLnBrk="0" hangingPunct="1">
-              <a:lnSpc>
-                <a:spcPct val="100000"/>
-              </a:lnSpc>
-              <a:spcBef>
-                <a:spcPts val="0"/>
-              </a:spcBef>
-              <a:spcAft>
-                <a:spcPts val="0"/>
-              </a:spcAft>
-              <a:buClrTx/>
-              <a:buSzTx/>
-              <a:buFontTx/>
-              <a:buNone/>
-              <a:tabLst/>
-              <a:defRPr/>
-            </a:pPr>
-            <a:r>
-              <a:rPr lang="en-US" sz="1600" dirty="0">
-                <a:solidFill>
-                  <a:prstClr val="black"/>
-                </a:solidFill>
-                <a:latin typeface="Calibri" panose="020F0502020204030204"/>
-              </a:rPr>
-              <a:t>	- Create Reference Lines</a:t>
-            </a:r>
-          </a:p>
-          <a:p>
-            <a:pPr marL="0" marR="0" lvl="0" indent="0" algn="l" defTabSz="914400" rtl="0" eaLnBrk="1" fontAlgn="auto" latinLnBrk="0" hangingPunct="1">
-              <a:lnSpc>
-                <a:spcPct val="100000"/>
-              </a:lnSpc>
-              <a:spcBef>
-                <a:spcPts val="0"/>
-              </a:spcBef>
-              <a:spcAft>
-                <a:spcPts val="0"/>
-              </a:spcAft>
-              <a:buClrTx/>
-              <a:buSzTx/>
-              <a:buFontTx/>
-              <a:buNone/>
-              <a:tabLst/>
-              <a:defRPr/>
-            </a:pPr>
-            <a:r>
-              <a:rPr kumimoji="0" lang="en-US" sz="1600" b="0" i="0" u="none" strike="noStrike" kern="1200" cap="none" spc="0" normalizeH="0" baseline="0" noProof="0" dirty="0">
-                <a:ln>
-                  <a:noFill/>
-                </a:ln>
-                <a:solidFill>
-                  <a:prstClr val="black"/>
-                </a:solidFill>
-                <a:effectLst/>
-                <a:uLnTx/>
-                <a:uFillTx/>
-                <a:latin typeface="Calibri" panose="020F0502020204030204"/>
-                <a:ea typeface="+mn-ea"/>
-                <a:cs typeface="+mn-cs"/>
-              </a:rPr>
-              <a:t>	- Conditional Formatting</a:t>
-            </a:r>
-          </a:p>
-        </p:txBody>
-      </p:sp>
-    </p:spTree>
-    <p:extLst>
-      <p:ext uri="{BB962C8B-B14F-4D97-AF65-F5344CB8AC3E}">
-        <p14:creationId xmlns:p14="http://schemas.microsoft.com/office/powerpoint/2010/main" val="2321857352"/>
-      </p:ext>
-    </p:extLst>
-  </p:cSld>
-  <p:clrMapOvr>
-    <a:masterClrMapping/>
-  </p:clrMapOvr>
-</p:sld>
-</file>
-
-<file path=ppt/slides/slide3.xml><?xml version="1.0" encoding="utf-8"?>
-<p:sld xmlns:a="http://schemas.openxmlformats.org/drawingml/2006/main" xmlns:r="http://schemas.openxmlformats.org/officeDocument/2006/relationships" xmlns:p="http://schemas.openxmlformats.org/presentationml/2006/main">
-  <p:cSld>
-    <p:spTree>
-      <p:nvGrpSpPr>
-        <p:cNvPr id="1" name=""/>
-        <p:cNvGrpSpPr/>
-        <p:nvPr/>
-      </p:nvGrpSpPr>
-      <p:grpSpPr>
-        <a:xfrm>
-          <a:off x="0" y="0"/>
-          <a:ext cx="0" cy="0"/>
-          <a:chOff x="0" y="0"/>
-          <a:chExt cx="0" cy="0"/>
-        </a:xfrm>
-      </p:grpSpPr>
-      <p:sp>
-        <p:nvSpPr>
-          <p:cNvPr id="11" name="Title 10"/>
-          <p:cNvSpPr>
-            <a:spLocks noGrp="1"/>
-          </p:cNvSpPr>
-          <p:nvPr>
-            <p:ph type="title"/>
-          </p:nvPr>
-        </p:nvSpPr>
-        <p:spPr>
-          <a:xfrm>
-            <a:off x="-20279" y="41354"/>
-            <a:ext cx="10969943" cy="711081"/>
-          </a:xfrm>
-        </p:spPr>
-        <p:txBody>
-          <a:bodyPr>
-            <a:noAutofit/>
-          </a:bodyPr>
-          <a:lstStyle/>
-          <a:p>
-            <a:r>
-              <a:rPr lang="en-IN" dirty="0">
-                <a:solidFill>
-                  <a:schemeClr val="tx2">
-                    <a:lumMod val="60000"/>
-                    <a:lumOff val="40000"/>
-                  </a:schemeClr>
-                </a:solidFill>
-                <a:latin typeface="Patua One" pitchFamily="2" charset="0"/>
-              </a:rPr>
-              <a:t>Hands-on BI Exercise Scenario</a:t>
-            </a:r>
-          </a:p>
-        </p:txBody>
-      </p:sp>
-      <p:sp>
-        <p:nvSpPr>
-          <p:cNvPr id="37" name="TextBox 36">
-            <a:extLst>
-              <a:ext uri="{FF2B5EF4-FFF2-40B4-BE49-F238E27FC236}">
-                <a16:creationId xmlns:a16="http://schemas.microsoft.com/office/drawing/2014/main" xmlns="" id="{E8CAC22F-1542-4031-BC6C-A16989886504}"/>
-              </a:ext>
-            </a:extLst>
-          </p:cNvPr>
-          <p:cNvSpPr txBox="1"/>
-          <p:nvPr/>
-        </p:nvSpPr>
-        <p:spPr>
-          <a:xfrm>
-            <a:off x="4943872" y="6550224"/>
-            <a:ext cx="3456384" cy="307777"/>
-          </a:xfrm>
-          <a:prstGeom prst="rect">
-            <a:avLst/>
-          </a:prstGeom>
-          <a:noFill/>
-        </p:spPr>
-        <p:txBody>
-          <a:bodyPr wrap="square" rtlCol="0">
-            <a:spAutoFit/>
-          </a:bodyPr>
-          <a:lstStyle/>
-          <a:p>
-            <a:pPr defTabSz="1218987">
-              <a:defRPr/>
-            </a:pPr>
-            <a:r>
-              <a:rPr lang="en-US" sz="1400" b="1" dirty="0">
-                <a:solidFill>
-                  <a:prstClr val="black"/>
-                </a:solidFill>
-                <a:latin typeface="Arial Rounded MT Bold" panose="020F0704030504030204" pitchFamily="34" charset="0"/>
-                <a:ea typeface="Arial Unicode MS" panose="020B0604020202020204" pitchFamily="34" charset="-128"/>
-                <a:cs typeface="Arial Unicode MS" panose="020B0604020202020204" pitchFamily="34" charset="-128"/>
-              </a:rPr>
-              <a:t>www.anubhavtrainings.com</a:t>
-            </a:r>
-            <a:endParaRPr lang="en-IN" sz="1400" b="1" dirty="0">
-              <a:solidFill>
-                <a:prstClr val="black"/>
-              </a:solidFill>
-              <a:latin typeface="Arial Rounded MT Bold" panose="020F0704030504030204" pitchFamily="34" charset="0"/>
-              <a:ea typeface="Arial Unicode MS" panose="020B0604020202020204" pitchFamily="34" charset="-128"/>
-              <a:cs typeface="Arial Unicode MS" panose="020B0604020202020204" pitchFamily="34" charset="-128"/>
-            </a:endParaRPr>
-          </a:p>
-        </p:txBody>
-      </p:sp>
-      <p:pic>
-        <p:nvPicPr>
-          <p:cNvPr id="40" name="Picture 39">
-            <a:extLst>
-              <a:ext uri="{FF2B5EF4-FFF2-40B4-BE49-F238E27FC236}">
-                <a16:creationId xmlns:a16="http://schemas.microsoft.com/office/drawing/2014/main" xmlns="" id="{DA60E6FB-8C44-4FEB-B6E9-83DA908565CD}"/>
-              </a:ext>
-            </a:extLst>
-          </p:cNvPr>
-          <p:cNvPicPr>
-            <a:picLocks noChangeAspect="1"/>
-          </p:cNvPicPr>
-          <p:nvPr/>
-        </p:nvPicPr>
-        <p:blipFill>
-          <a:blip r:embed="rId2">
-            <a:extLst>
-              <a:ext uri="{28A0092B-C50C-407E-A947-70E740481C1C}">
-                <a14:useLocalDpi xmlns:a14="http://schemas.microsoft.com/office/drawing/2010/main" val="0"/>
-              </a:ext>
-            </a:extLst>
-          </a:blip>
-          <a:stretch>
-            <a:fillRect/>
-          </a:stretch>
-        </p:blipFill>
-        <p:spPr>
-          <a:xfrm>
-            <a:off x="9624393" y="106009"/>
-            <a:ext cx="2335203" cy="762895"/>
-          </a:xfrm>
-          <a:prstGeom prst="rect">
-            <a:avLst/>
-          </a:prstGeom>
-        </p:spPr>
-      </p:pic>
-      <p:cxnSp>
-        <p:nvCxnSpPr>
-          <p:cNvPr id="41" name="Straight Connector 40">
-            <a:extLst>
-              <a:ext uri="{FF2B5EF4-FFF2-40B4-BE49-F238E27FC236}">
-                <a16:creationId xmlns:a16="http://schemas.microsoft.com/office/drawing/2014/main" xmlns="" id="{3B3B7D73-CAE9-45AC-ACCE-FAEF4E505C7A}"/>
-              </a:ext>
-            </a:extLst>
-          </p:cNvPr>
-          <p:cNvCxnSpPr/>
-          <p:nvPr/>
-        </p:nvCxnSpPr>
-        <p:spPr>
-          <a:xfrm>
-            <a:off x="1588" y="764704"/>
-            <a:ext cx="6479584" cy="0"/>
-          </a:xfrm>
-          <a:prstGeom prst="line">
-            <a:avLst/>
-          </a:prstGeom>
-        </p:spPr>
-        <p:style>
-          <a:lnRef idx="2">
-            <a:schemeClr val="accent6"/>
-          </a:lnRef>
-          <a:fillRef idx="0">
-            <a:schemeClr val="accent6"/>
-          </a:fillRef>
-          <a:effectRef idx="1">
-            <a:schemeClr val="accent6"/>
-          </a:effectRef>
-          <a:fontRef idx="minor">
-            <a:schemeClr val="tx1"/>
-          </a:fontRef>
-        </p:style>
-      </p:cxnSp>
-      <p:sp>
-        <p:nvSpPr>
-          <p:cNvPr id="2" name="TextBox 1">
-            <a:extLst>
-              <a:ext uri="{FF2B5EF4-FFF2-40B4-BE49-F238E27FC236}">
-                <a16:creationId xmlns:a16="http://schemas.microsoft.com/office/drawing/2014/main" xmlns="" id="{4D244890-F002-43A1-84CE-97A597F5A188}"/>
-              </a:ext>
-            </a:extLst>
-          </p:cNvPr>
-          <p:cNvSpPr txBox="1"/>
-          <p:nvPr/>
-        </p:nvSpPr>
-        <p:spPr>
-          <a:xfrm>
-            <a:off x="152400" y="1066801"/>
-            <a:ext cx="11430000" cy="830997"/>
-          </a:xfrm>
-          <a:prstGeom prst="rect">
-            <a:avLst/>
-          </a:prstGeom>
-          <a:noFill/>
-        </p:spPr>
-        <p:txBody>
-          <a:bodyPr wrap="square" rtlCol="0">
-            <a:spAutoFit/>
-          </a:bodyPr>
-          <a:lstStyle/>
-          <a:p>
-            <a:pPr defTabSz="1218987"/>
-            <a:r>
-              <a:rPr lang="en-US" sz="2400" dirty="0">
-                <a:solidFill>
-                  <a:prstClr val="black"/>
-                </a:solidFill>
-                <a:latin typeface="Calibri"/>
-              </a:rPr>
-              <a:t>BI Extension Scenario </a:t>
-            </a:r>
-            <a:r>
-              <a:rPr lang="en-US" sz="2400" dirty="0">
-                <a:solidFill>
-                  <a:prstClr val="black"/>
-                </a:solidFill>
-                <a:latin typeface="Calibri"/>
-                <a:hlinkClick r:id="rId3"/>
-              </a:rPr>
-              <a:t>here</a:t>
-            </a:r>
-            <a:endParaRPr lang="en-US" sz="2400" dirty="0">
-              <a:solidFill>
-                <a:prstClr val="black"/>
-              </a:solidFill>
-              <a:latin typeface="Calibri"/>
-            </a:endParaRPr>
-          </a:p>
-          <a:p>
-            <a:pPr defTabSz="1218987"/>
-            <a:r>
-              <a:rPr lang="en-US" sz="2400" dirty="0">
-                <a:solidFill>
-                  <a:prstClr val="black"/>
-                </a:solidFill>
-                <a:latin typeface="Calibri"/>
-              </a:rPr>
-              <a:t>Data for blending available </a:t>
-            </a:r>
-            <a:r>
-              <a:rPr lang="en-US" sz="2400" dirty="0">
-                <a:solidFill>
-                  <a:prstClr val="black"/>
-                </a:solidFill>
-                <a:latin typeface="Calibri"/>
-                <a:hlinkClick r:id="rId4"/>
-              </a:rPr>
-              <a:t>here</a:t>
-            </a:r>
-            <a:endParaRPr lang="en-US" sz="2400" dirty="0">
-              <a:solidFill>
-                <a:prstClr val="black"/>
-              </a:solidFill>
-              <a:latin typeface="Calibri"/>
-            </a:endParaRPr>
-          </a:p>
-        </p:txBody>
-      </p:sp>
-    </p:spTree>
-    <p:extLst>
-      <p:ext uri="{BB962C8B-B14F-4D97-AF65-F5344CB8AC3E}">
-        <p14:creationId xmlns:p14="http://schemas.microsoft.com/office/powerpoint/2010/main" val="1842587395"/>
-      </p:ext>
-    </p:extLst>
-  </p:cSld>
-  <p:clrMapOvr>
-    <a:masterClrMapping/>
-  </p:clrMapOvr>
-  <p:transition spd="slow">
-    <p:push dir="u"/>
-  </p:transition>
-</p:sld>
-</file>
-
-<file path=ppt/slides/slide4.xml><?xml version="1.0" encoding="utf-8"?>
-<p:sld xmlns:a="http://schemas.openxmlformats.org/drawingml/2006/main" xmlns:r="http://schemas.openxmlformats.org/officeDocument/2006/relationships" xmlns:p="http://schemas.openxmlformats.org/presentationml/2006/main">
-  <p:cSld>
-    <p:spTree>
-      <p:nvGrpSpPr>
-        <p:cNvPr id="1" name=""/>
-        <p:cNvGrpSpPr/>
-        <p:nvPr/>
-      </p:nvGrpSpPr>
-      <p:grpSpPr>
-        <a:xfrm>
-          <a:off x="0" y="0"/>
-          <a:ext cx="0" cy="0"/>
-          <a:chOff x="0" y="0"/>
-          <a:chExt cx="0" cy="0"/>
-        </a:xfrm>
-      </p:grpSpPr>
-      <p:sp>
-        <p:nvSpPr>
-          <p:cNvPr id="11" name="Title 10"/>
-          <p:cNvSpPr>
-            <a:spLocks noGrp="1"/>
-          </p:cNvSpPr>
-          <p:nvPr>
-            <p:ph type="title"/>
-          </p:nvPr>
-        </p:nvSpPr>
-        <p:spPr>
-          <a:xfrm>
-            <a:off x="-20279" y="41354"/>
-            <a:ext cx="10969943" cy="711081"/>
-          </a:xfrm>
-        </p:spPr>
-        <p:txBody>
-          <a:bodyPr>
-            <a:noAutofit/>
-          </a:bodyPr>
-          <a:lstStyle/>
-          <a:p>
-            <a:r>
-              <a:rPr lang="en-IN" dirty="0">
-                <a:solidFill>
-                  <a:schemeClr val="tx2">
-                    <a:lumMod val="60000"/>
-                    <a:lumOff val="40000"/>
-                  </a:schemeClr>
-                </a:solidFill>
-                <a:latin typeface="Patua One" pitchFamily="2" charset="0"/>
-              </a:rPr>
-              <a:t>Hierarchies</a:t>
-            </a:r>
-          </a:p>
-        </p:txBody>
-      </p:sp>
-      <p:pic>
-        <p:nvPicPr>
-          <p:cNvPr id="40" name="Picture 39">
-            <a:extLst>
-              <a:ext uri="{FF2B5EF4-FFF2-40B4-BE49-F238E27FC236}">
-                <a16:creationId xmlns:a16="http://schemas.microsoft.com/office/drawing/2014/main" xmlns="" id="{DA60E6FB-8C44-4FEB-B6E9-83DA908565CD}"/>
-              </a:ext>
-            </a:extLst>
-          </p:cNvPr>
-          <p:cNvPicPr>
-            <a:picLocks noChangeAspect="1"/>
-          </p:cNvPicPr>
-          <p:nvPr/>
-        </p:nvPicPr>
-        <p:blipFill>
-          <a:blip r:embed="rId2">
-            <a:extLst>
-              <a:ext uri="{28A0092B-C50C-407E-A947-70E740481C1C}">
-                <a14:useLocalDpi xmlns:a14="http://schemas.microsoft.com/office/drawing/2010/main" val="0"/>
-              </a:ext>
-            </a:extLst>
-          </a:blip>
-          <a:stretch>
-            <a:fillRect/>
-          </a:stretch>
-        </p:blipFill>
-        <p:spPr>
-          <a:xfrm>
-            <a:off x="9624393" y="106009"/>
-            <a:ext cx="2335203" cy="762895"/>
-          </a:xfrm>
-          <a:prstGeom prst="rect">
-            <a:avLst/>
-          </a:prstGeom>
-        </p:spPr>
-      </p:pic>
-      <p:cxnSp>
-        <p:nvCxnSpPr>
-          <p:cNvPr id="41" name="Straight Connector 40">
-            <a:extLst>
-              <a:ext uri="{FF2B5EF4-FFF2-40B4-BE49-F238E27FC236}">
-                <a16:creationId xmlns:a16="http://schemas.microsoft.com/office/drawing/2014/main" xmlns="" id="{3B3B7D73-CAE9-45AC-ACCE-FAEF4E505C7A}"/>
-              </a:ext>
-            </a:extLst>
-          </p:cNvPr>
-          <p:cNvCxnSpPr/>
-          <p:nvPr/>
-        </p:nvCxnSpPr>
-        <p:spPr>
-          <a:xfrm>
-            <a:off x="1588" y="764704"/>
-            <a:ext cx="6479584" cy="0"/>
-          </a:xfrm>
-          <a:prstGeom prst="line">
-            <a:avLst/>
-          </a:prstGeom>
-        </p:spPr>
-        <p:style>
-          <a:lnRef idx="2">
-            <a:schemeClr val="accent6"/>
-          </a:lnRef>
-          <a:fillRef idx="0">
-            <a:schemeClr val="accent6"/>
-          </a:fillRef>
-          <a:effectRef idx="1">
-            <a:schemeClr val="accent6"/>
-          </a:effectRef>
-          <a:fontRef idx="minor">
-            <a:schemeClr val="tx1"/>
-          </a:fontRef>
-        </p:style>
-      </p:cxnSp>
-      <p:sp>
-        <p:nvSpPr>
-          <p:cNvPr id="2" name="TextBox 1">
-            <a:extLst>
-              <a:ext uri="{FF2B5EF4-FFF2-40B4-BE49-F238E27FC236}">
-                <a16:creationId xmlns:a16="http://schemas.microsoft.com/office/drawing/2014/main" xmlns="" id="{0849BF03-6D6C-4336-8327-E2B7A4B55FC8}"/>
-              </a:ext>
-            </a:extLst>
-          </p:cNvPr>
-          <p:cNvSpPr txBox="1"/>
-          <p:nvPr/>
-        </p:nvSpPr>
-        <p:spPr>
-          <a:xfrm>
-            <a:off x="76201" y="990600"/>
-            <a:ext cx="11883395" cy="2308324"/>
-          </a:xfrm>
-          <a:prstGeom prst="rect">
-            <a:avLst/>
-          </a:prstGeom>
-          <a:noFill/>
-        </p:spPr>
-        <p:txBody>
-          <a:bodyPr wrap="square" rtlCol="0">
-            <a:spAutoFit/>
-          </a:bodyPr>
-          <a:lstStyle/>
-          <a:p>
-            <a:pPr defTabSz="1218987"/>
-            <a:r>
-              <a:rPr lang="en-US" sz="2400" dirty="0">
-                <a:solidFill>
-                  <a:prstClr val="black"/>
-                </a:solidFill>
-                <a:latin typeface="Calibri"/>
-              </a:rPr>
-              <a:t>Hierarchies are tree data structure, used to represent the data dependency in a tree form, SAP analytics cloud offers 2 types of hierarchies</a:t>
-            </a:r>
-          </a:p>
-          <a:p>
-            <a:pPr marL="342900" indent="-342900" defTabSz="1218987">
-              <a:buFont typeface="Arial" panose="020B0604020202020204" pitchFamily="34" charset="0"/>
-              <a:buChar char="•"/>
-            </a:pPr>
-            <a:r>
-              <a:rPr lang="en-US" sz="2400" dirty="0">
-                <a:solidFill>
-                  <a:prstClr val="black"/>
-                </a:solidFill>
-                <a:latin typeface="Calibri"/>
-              </a:rPr>
-              <a:t>Level-based Hierarchy- when we have more than 2 columns, we create this type of hierarchy. </a:t>
-            </a:r>
-            <a:r>
-              <a:rPr lang="en-US" sz="2400" u="sng" dirty="0">
-                <a:solidFill>
-                  <a:prstClr val="black"/>
-                </a:solidFill>
-                <a:latin typeface="Calibri"/>
-              </a:rPr>
-              <a:t>The columns which are </a:t>
-            </a:r>
-            <a:r>
-              <a:rPr lang="en-US" sz="2400" b="1" u="sng" dirty="0">
-                <a:solidFill>
-                  <a:prstClr val="black"/>
-                </a:solidFill>
-                <a:latin typeface="Calibri"/>
-              </a:rPr>
-              <a:t>child </a:t>
-            </a:r>
-            <a:r>
-              <a:rPr lang="en-US" sz="2400" u="sng" dirty="0">
-                <a:solidFill>
-                  <a:prstClr val="black"/>
-                </a:solidFill>
-                <a:latin typeface="Calibri"/>
-              </a:rPr>
-              <a:t>nodes will be converted as a </a:t>
-            </a:r>
-            <a:r>
-              <a:rPr lang="en-US" sz="2400" b="1" u="sng" dirty="0">
-                <a:solidFill>
-                  <a:prstClr val="black"/>
-                </a:solidFill>
-                <a:latin typeface="Calibri"/>
-              </a:rPr>
-              <a:t>property of parent node.</a:t>
-            </a:r>
-            <a:endParaRPr lang="en-US" sz="2400" u="sng" dirty="0">
-              <a:solidFill>
-                <a:prstClr val="black"/>
-              </a:solidFill>
-              <a:latin typeface="Calibri"/>
-            </a:endParaRPr>
-          </a:p>
-          <a:p>
-            <a:pPr marL="342900" indent="-342900" defTabSz="1218987">
-              <a:buFont typeface="Arial" panose="020B0604020202020204" pitchFamily="34" charset="0"/>
-              <a:buChar char="•"/>
-            </a:pPr>
-            <a:r>
-              <a:rPr lang="en-US" sz="2400" dirty="0">
-                <a:solidFill>
-                  <a:prstClr val="black"/>
-                </a:solidFill>
-                <a:latin typeface="Calibri"/>
-              </a:rPr>
-              <a:t>Parent Child Hierarchy – when we have precisely 2 columns.</a:t>
-            </a:r>
-          </a:p>
-        </p:txBody>
-      </p:sp>
-    </p:spTree>
-    <p:extLst>
-      <p:ext uri="{BB962C8B-B14F-4D97-AF65-F5344CB8AC3E}">
-        <p14:creationId xmlns:p14="http://schemas.microsoft.com/office/powerpoint/2010/main" val="962523054"/>
-      </p:ext>
-    </p:extLst>
-  </p:cSld>
-  <p:clrMapOvr>
-    <a:masterClrMapping/>
-  </p:clrMapOvr>
-  <p:transition spd="slow">
-    <p:push dir="u"/>
-  </p:transition>
-</p:sld>
-</file>
-
-<file path=ppt/slides/slide5.xml><?xml version="1.0" encoding="utf-8"?>
-<p:sld xmlns:a="http://schemas.openxmlformats.org/drawingml/2006/main" xmlns:r="http://schemas.openxmlformats.org/officeDocument/2006/relationships" xmlns:p="http://schemas.openxmlformats.org/presentationml/2006/main">
-  <p:cSld>
-    <p:spTree>
-      <p:nvGrpSpPr>
-        <p:cNvPr id="1" name=""/>
-        <p:cNvGrpSpPr/>
-        <p:nvPr/>
-      </p:nvGrpSpPr>
-      <p:grpSpPr>
-        <a:xfrm>
-          <a:off x="0" y="0"/>
-          <a:ext cx="0" cy="0"/>
-          <a:chOff x="0" y="0"/>
-          <a:chExt cx="0" cy="0"/>
-        </a:xfrm>
-      </p:grpSpPr>
-      <p:sp>
-        <p:nvSpPr>
-          <p:cNvPr id="11" name="Title 10"/>
-          <p:cNvSpPr>
-            <a:spLocks noGrp="1"/>
-          </p:cNvSpPr>
-          <p:nvPr>
-            <p:ph type="title"/>
-          </p:nvPr>
-        </p:nvSpPr>
-        <p:spPr>
-          <a:xfrm>
-            <a:off x="-20279" y="41354"/>
-            <a:ext cx="10969943" cy="711081"/>
-          </a:xfrm>
-        </p:spPr>
-        <p:txBody>
-          <a:bodyPr>
-            <a:noAutofit/>
-          </a:bodyPr>
-          <a:lstStyle/>
-          <a:p>
-            <a:r>
-              <a:rPr lang="en-IN" dirty="0">
-                <a:solidFill>
-                  <a:schemeClr val="tx2">
-                    <a:lumMod val="60000"/>
-                    <a:lumOff val="40000"/>
-                  </a:schemeClr>
-                </a:solidFill>
-                <a:latin typeface="Patua One" pitchFamily="2" charset="0"/>
-              </a:rPr>
-              <a:t>Hands-on BI Hierarchy and Model Scenario</a:t>
-            </a:r>
-          </a:p>
-        </p:txBody>
-      </p:sp>
-      <p:sp>
-        <p:nvSpPr>
-          <p:cNvPr id="37" name="TextBox 36">
-            <a:extLst>
-              <a:ext uri="{FF2B5EF4-FFF2-40B4-BE49-F238E27FC236}">
-                <a16:creationId xmlns:a16="http://schemas.microsoft.com/office/drawing/2014/main" xmlns="" id="{E8CAC22F-1542-4031-BC6C-A16989886504}"/>
-              </a:ext>
-            </a:extLst>
-          </p:cNvPr>
-          <p:cNvSpPr txBox="1"/>
-          <p:nvPr/>
-        </p:nvSpPr>
-        <p:spPr>
-          <a:xfrm>
-            <a:off x="4943872" y="6550224"/>
-            <a:ext cx="3456384" cy="307777"/>
-          </a:xfrm>
-          <a:prstGeom prst="rect">
-            <a:avLst/>
-          </a:prstGeom>
-          <a:noFill/>
-        </p:spPr>
-        <p:txBody>
-          <a:bodyPr wrap="square" rtlCol="0">
-            <a:spAutoFit/>
-          </a:bodyPr>
-          <a:lstStyle/>
-          <a:p>
-            <a:pPr defTabSz="1218987">
-              <a:defRPr/>
-            </a:pPr>
-            <a:r>
-              <a:rPr lang="en-US" sz="1400" b="1" dirty="0">
-                <a:solidFill>
-                  <a:prstClr val="black"/>
-                </a:solidFill>
-                <a:latin typeface="Arial Rounded MT Bold" panose="020F0704030504030204" pitchFamily="34" charset="0"/>
-                <a:ea typeface="Arial Unicode MS" panose="020B0604020202020204" pitchFamily="34" charset="-128"/>
-                <a:cs typeface="Arial Unicode MS" panose="020B0604020202020204" pitchFamily="34" charset="-128"/>
-              </a:rPr>
-              <a:t>www.anubhavtrainings.com</a:t>
-            </a:r>
-            <a:endParaRPr lang="en-IN" sz="1400" b="1" dirty="0">
-              <a:solidFill>
-                <a:prstClr val="black"/>
-              </a:solidFill>
-              <a:latin typeface="Arial Rounded MT Bold" panose="020F0704030504030204" pitchFamily="34" charset="0"/>
-              <a:ea typeface="Arial Unicode MS" panose="020B0604020202020204" pitchFamily="34" charset="-128"/>
-              <a:cs typeface="Arial Unicode MS" panose="020B0604020202020204" pitchFamily="34" charset="-128"/>
-            </a:endParaRPr>
-          </a:p>
-        </p:txBody>
-      </p:sp>
-      <p:pic>
-        <p:nvPicPr>
-          <p:cNvPr id="40" name="Picture 39">
-            <a:extLst>
-              <a:ext uri="{FF2B5EF4-FFF2-40B4-BE49-F238E27FC236}">
-                <a16:creationId xmlns:a16="http://schemas.microsoft.com/office/drawing/2014/main" xmlns="" id="{DA60E6FB-8C44-4FEB-B6E9-83DA908565CD}"/>
-              </a:ext>
-            </a:extLst>
-          </p:cNvPr>
-          <p:cNvPicPr>
-            <a:picLocks noChangeAspect="1"/>
-          </p:cNvPicPr>
-          <p:nvPr/>
-        </p:nvPicPr>
-        <p:blipFill>
-          <a:blip r:embed="rId2">
-            <a:extLst>
-              <a:ext uri="{28A0092B-C50C-407E-A947-70E740481C1C}">
-                <a14:useLocalDpi xmlns:a14="http://schemas.microsoft.com/office/drawing/2010/main" val="0"/>
-              </a:ext>
-            </a:extLst>
-          </a:blip>
-          <a:stretch>
-            <a:fillRect/>
-          </a:stretch>
-        </p:blipFill>
-        <p:spPr>
-          <a:xfrm>
-            <a:off x="9624393" y="106009"/>
-            <a:ext cx="2335203" cy="762895"/>
-          </a:xfrm>
-          <a:prstGeom prst="rect">
-            <a:avLst/>
-          </a:prstGeom>
-        </p:spPr>
-      </p:pic>
-      <p:cxnSp>
-        <p:nvCxnSpPr>
-          <p:cNvPr id="41" name="Straight Connector 40">
-            <a:extLst>
-              <a:ext uri="{FF2B5EF4-FFF2-40B4-BE49-F238E27FC236}">
-                <a16:creationId xmlns:a16="http://schemas.microsoft.com/office/drawing/2014/main" xmlns="" id="{3B3B7D73-CAE9-45AC-ACCE-FAEF4E505C7A}"/>
-              </a:ext>
-            </a:extLst>
-          </p:cNvPr>
-          <p:cNvCxnSpPr/>
-          <p:nvPr/>
-        </p:nvCxnSpPr>
-        <p:spPr>
-          <a:xfrm>
-            <a:off x="1588" y="764704"/>
-            <a:ext cx="6479584" cy="0"/>
-          </a:xfrm>
-          <a:prstGeom prst="line">
-            <a:avLst/>
-          </a:prstGeom>
-        </p:spPr>
-        <p:style>
-          <a:lnRef idx="2">
-            <a:schemeClr val="accent6"/>
-          </a:lnRef>
-          <a:fillRef idx="0">
-            <a:schemeClr val="accent6"/>
-          </a:fillRef>
-          <a:effectRef idx="1">
-            <a:schemeClr val="accent6"/>
-          </a:effectRef>
-          <a:fontRef idx="minor">
-            <a:schemeClr val="tx1"/>
-          </a:fontRef>
-        </p:style>
-      </p:cxnSp>
-      <p:sp>
-        <p:nvSpPr>
-          <p:cNvPr id="2" name="TextBox 1">
-            <a:extLst>
-              <a:ext uri="{FF2B5EF4-FFF2-40B4-BE49-F238E27FC236}">
-                <a16:creationId xmlns:a16="http://schemas.microsoft.com/office/drawing/2014/main" xmlns="" id="{4D244890-F002-43A1-84CE-97A597F5A188}"/>
-              </a:ext>
-            </a:extLst>
-          </p:cNvPr>
-          <p:cNvSpPr txBox="1"/>
-          <p:nvPr/>
-        </p:nvSpPr>
-        <p:spPr>
-          <a:xfrm>
-            <a:off x="152400" y="1066801"/>
-            <a:ext cx="11430000" cy="461665"/>
-          </a:xfrm>
-          <a:prstGeom prst="rect">
-            <a:avLst/>
-          </a:prstGeom>
-          <a:noFill/>
-        </p:spPr>
-        <p:txBody>
-          <a:bodyPr wrap="square" rtlCol="0">
-            <a:spAutoFit/>
-          </a:bodyPr>
-          <a:lstStyle/>
-          <a:p>
-            <a:pPr defTabSz="1218987"/>
-            <a:r>
-              <a:rPr lang="en-US" sz="2400" dirty="0">
-                <a:solidFill>
-                  <a:prstClr val="black"/>
-                </a:solidFill>
-                <a:latin typeface="Calibri"/>
-              </a:rPr>
-              <a:t>BI Hierarchy and model update data available </a:t>
-            </a:r>
-            <a:r>
-              <a:rPr lang="en-US" sz="2400" dirty="0">
-                <a:solidFill>
-                  <a:prstClr val="black"/>
-                </a:solidFill>
-                <a:latin typeface="Calibri"/>
-                <a:hlinkClick r:id="rId3"/>
-              </a:rPr>
-              <a:t>here</a:t>
-            </a:r>
-            <a:endParaRPr lang="en-US" sz="2400" dirty="0">
-              <a:solidFill>
-                <a:prstClr val="black"/>
-              </a:solidFill>
-              <a:latin typeface="Calibri"/>
-            </a:endParaRPr>
-          </a:p>
-        </p:txBody>
-      </p:sp>
-    </p:spTree>
-    <p:extLst>
-      <p:ext uri="{BB962C8B-B14F-4D97-AF65-F5344CB8AC3E}">
-        <p14:creationId xmlns:p14="http://schemas.microsoft.com/office/powerpoint/2010/main" val="315435882"/>
-      </p:ext>
-    </p:extLst>
-  </p:cSld>
-  <p:clrMapOvr>
-    <a:masterClrMapping/>
-  </p:clrMapOvr>
-  <p:transition spd="slow">
-    <p:push dir="u"/>
-  </p:transition>
-</p:sld>
-</file>
-
-<file path=ppt/slides/slide6.xml><?xml version="1.0" encoding="utf-8"?>
-<p:sld xmlns:a="http://schemas.openxmlformats.org/drawingml/2006/main" xmlns:r="http://schemas.openxmlformats.org/officeDocument/2006/relationships" xmlns:p="http://schemas.openxmlformats.org/presentationml/2006/main">
-  <p:cSld>
-    <p:spTree>
-      <p:nvGrpSpPr>
-        <p:cNvPr id="1" name=""/>
-        <p:cNvGrpSpPr/>
-        <p:nvPr/>
-      </p:nvGrpSpPr>
-      <p:grpSpPr>
-        <a:xfrm>
-          <a:off x="0" y="0"/>
-          <a:ext cx="0" cy="0"/>
-          <a:chOff x="0" y="0"/>
-          <a:chExt cx="0" cy="0"/>
-        </a:xfrm>
-      </p:grpSpPr>
-      <p:sp>
-        <p:nvSpPr>
-          <p:cNvPr id="11" name="Title 10"/>
-          <p:cNvSpPr>
-            <a:spLocks noGrp="1"/>
-          </p:cNvSpPr>
-          <p:nvPr>
-            <p:ph type="title"/>
-          </p:nvPr>
-        </p:nvSpPr>
-        <p:spPr>
-          <a:xfrm>
-            <a:off x="-20279" y="41354"/>
-            <a:ext cx="10969943" cy="711081"/>
-          </a:xfrm>
-        </p:spPr>
-        <p:txBody>
-          <a:bodyPr>
-            <a:noAutofit/>
-          </a:bodyPr>
-          <a:lstStyle/>
-          <a:p>
-            <a:r>
-              <a:rPr lang="en-IN" dirty="0">
-                <a:solidFill>
-                  <a:schemeClr val="tx2">
-                    <a:lumMod val="60000"/>
-                    <a:lumOff val="40000"/>
-                  </a:schemeClr>
-                </a:solidFill>
-                <a:latin typeface="Patua One" pitchFamily="2" charset="0"/>
-              </a:rPr>
-              <a:t>Updating data in model</a:t>
-            </a:r>
-          </a:p>
-        </p:txBody>
-      </p:sp>
-      <p:sp>
-        <p:nvSpPr>
-          <p:cNvPr id="37" name="TextBox 36">
-            <a:extLst>
-              <a:ext uri="{FF2B5EF4-FFF2-40B4-BE49-F238E27FC236}">
-                <a16:creationId xmlns:a16="http://schemas.microsoft.com/office/drawing/2014/main" xmlns="" id="{E8CAC22F-1542-4031-BC6C-A16989886504}"/>
-              </a:ext>
-            </a:extLst>
-          </p:cNvPr>
-          <p:cNvSpPr txBox="1"/>
-          <p:nvPr/>
-        </p:nvSpPr>
-        <p:spPr>
-          <a:xfrm>
-            <a:off x="4943872" y="6550224"/>
-            <a:ext cx="3456384" cy="307777"/>
-          </a:xfrm>
-          <a:prstGeom prst="rect">
-            <a:avLst/>
-          </a:prstGeom>
-          <a:noFill/>
-        </p:spPr>
-        <p:txBody>
-          <a:bodyPr wrap="square" rtlCol="0">
-            <a:spAutoFit/>
-          </a:bodyPr>
-          <a:lstStyle/>
-          <a:p>
-            <a:pPr defTabSz="1218987">
-              <a:defRPr/>
-            </a:pPr>
-            <a:r>
-              <a:rPr lang="en-US" sz="1400" b="1" dirty="0">
-                <a:solidFill>
-                  <a:prstClr val="black"/>
-                </a:solidFill>
-                <a:latin typeface="Arial Rounded MT Bold" panose="020F0704030504030204" pitchFamily="34" charset="0"/>
-                <a:ea typeface="Arial Unicode MS" panose="020B0604020202020204" pitchFamily="34" charset="-128"/>
-                <a:cs typeface="Arial Unicode MS" panose="020B0604020202020204" pitchFamily="34" charset="-128"/>
-              </a:rPr>
-              <a:t>www.anubhavtrainings.com</a:t>
-            </a:r>
-            <a:endParaRPr lang="en-IN" sz="1400" b="1" dirty="0">
-              <a:solidFill>
-                <a:prstClr val="black"/>
-              </a:solidFill>
-              <a:latin typeface="Arial Rounded MT Bold" panose="020F0704030504030204" pitchFamily="34" charset="0"/>
-              <a:ea typeface="Arial Unicode MS" panose="020B0604020202020204" pitchFamily="34" charset="-128"/>
-              <a:cs typeface="Arial Unicode MS" panose="020B0604020202020204" pitchFamily="34" charset="-128"/>
-            </a:endParaRPr>
-          </a:p>
-        </p:txBody>
-      </p:sp>
-      <p:pic>
-        <p:nvPicPr>
-          <p:cNvPr id="40" name="Picture 39">
-            <a:extLst>
-              <a:ext uri="{FF2B5EF4-FFF2-40B4-BE49-F238E27FC236}">
-                <a16:creationId xmlns:a16="http://schemas.microsoft.com/office/drawing/2014/main" xmlns="" id="{DA60E6FB-8C44-4FEB-B6E9-83DA908565CD}"/>
-              </a:ext>
-            </a:extLst>
-          </p:cNvPr>
-          <p:cNvPicPr>
-            <a:picLocks noChangeAspect="1"/>
-          </p:cNvPicPr>
-          <p:nvPr/>
-        </p:nvPicPr>
-        <p:blipFill>
-          <a:blip r:embed="rId2">
-            <a:extLst>
-              <a:ext uri="{28A0092B-C50C-407E-A947-70E740481C1C}">
-                <a14:useLocalDpi xmlns:a14="http://schemas.microsoft.com/office/drawing/2010/main" val="0"/>
-              </a:ext>
-            </a:extLst>
-          </a:blip>
-          <a:stretch>
-            <a:fillRect/>
-          </a:stretch>
-        </p:blipFill>
-        <p:spPr>
-          <a:xfrm>
-            <a:off x="9624393" y="106009"/>
-            <a:ext cx="2335203" cy="762895"/>
-          </a:xfrm>
-          <a:prstGeom prst="rect">
-            <a:avLst/>
-          </a:prstGeom>
-        </p:spPr>
-      </p:pic>
-      <p:cxnSp>
-        <p:nvCxnSpPr>
-          <p:cNvPr id="41" name="Straight Connector 40">
-            <a:extLst>
-              <a:ext uri="{FF2B5EF4-FFF2-40B4-BE49-F238E27FC236}">
-                <a16:creationId xmlns:a16="http://schemas.microsoft.com/office/drawing/2014/main" xmlns="" id="{3B3B7D73-CAE9-45AC-ACCE-FAEF4E505C7A}"/>
-              </a:ext>
-            </a:extLst>
-          </p:cNvPr>
-          <p:cNvCxnSpPr/>
-          <p:nvPr/>
-        </p:nvCxnSpPr>
-        <p:spPr>
-          <a:xfrm>
-            <a:off x="1588" y="764704"/>
-            <a:ext cx="6479584" cy="0"/>
-          </a:xfrm>
-          <a:prstGeom prst="line">
-            <a:avLst/>
-          </a:prstGeom>
-        </p:spPr>
-        <p:style>
-          <a:lnRef idx="2">
-            <a:schemeClr val="accent6"/>
-          </a:lnRef>
-          <a:fillRef idx="0">
-            <a:schemeClr val="accent6"/>
-          </a:fillRef>
-          <a:effectRef idx="1">
-            <a:schemeClr val="accent6"/>
-          </a:effectRef>
-          <a:fontRef idx="minor">
-            <a:schemeClr val="tx1"/>
-          </a:fontRef>
-        </p:style>
-      </p:cxnSp>
-      <p:sp>
-        <p:nvSpPr>
-          <p:cNvPr id="2" name="TextBox 1">
-            <a:extLst>
-              <a:ext uri="{FF2B5EF4-FFF2-40B4-BE49-F238E27FC236}">
-                <a16:creationId xmlns:a16="http://schemas.microsoft.com/office/drawing/2014/main" xmlns="" id="{C202B2D0-B24F-4F31-B138-D79CFD59C913}"/>
-              </a:ext>
-            </a:extLst>
-          </p:cNvPr>
-          <p:cNvSpPr txBox="1"/>
-          <p:nvPr/>
-        </p:nvSpPr>
-        <p:spPr>
-          <a:xfrm>
-            <a:off x="228601" y="1066800"/>
-            <a:ext cx="11730995" cy="3785652"/>
-          </a:xfrm>
-          <a:prstGeom prst="rect">
-            <a:avLst/>
-          </a:prstGeom>
-          <a:noFill/>
-        </p:spPr>
-        <p:txBody>
-          <a:bodyPr wrap="square" rtlCol="0">
-            <a:spAutoFit/>
-          </a:bodyPr>
-          <a:lstStyle/>
-          <a:p>
-            <a:pPr defTabSz="1218987"/>
-            <a:r>
-              <a:rPr lang="en-US" sz="2400" dirty="0">
-                <a:solidFill>
-                  <a:prstClr val="black"/>
-                </a:solidFill>
-                <a:latin typeface="Calibri"/>
-              </a:rPr>
-              <a:t>When we use acquired data model, there is a need to reload(refresh) data on timely manner. Remember any new data which is manually added will be added as draft if not scheduled.</a:t>
-            </a:r>
-          </a:p>
-          <a:p>
-            <a:pPr defTabSz="1218987"/>
-            <a:endParaRPr lang="en-US" sz="2400" dirty="0">
-              <a:solidFill>
-                <a:prstClr val="black"/>
-              </a:solidFill>
-              <a:latin typeface="Calibri"/>
-            </a:endParaRPr>
-          </a:p>
-          <a:p>
-            <a:pPr marL="457200" indent="-457200" defTabSz="1218987">
-              <a:buFontTx/>
-              <a:buAutoNum type="arabicPeriod"/>
-            </a:pPr>
-            <a:r>
-              <a:rPr lang="en-US" sz="2400" dirty="0">
-                <a:solidFill>
-                  <a:prstClr val="black"/>
-                </a:solidFill>
-                <a:latin typeface="Calibri"/>
-              </a:rPr>
-              <a:t>Using Schedule</a:t>
-            </a:r>
-          </a:p>
-          <a:p>
-            <a:pPr marL="457200" indent="-457200" defTabSz="1218987">
-              <a:buFontTx/>
-              <a:buAutoNum type="arabicPeriod"/>
-            </a:pPr>
-            <a:r>
-              <a:rPr lang="en-US" sz="2400" dirty="0">
-                <a:solidFill>
-                  <a:prstClr val="black"/>
-                </a:solidFill>
-                <a:latin typeface="Calibri"/>
-              </a:rPr>
-              <a:t>Direct Refresh</a:t>
-            </a:r>
-          </a:p>
-          <a:p>
-            <a:pPr marL="457200" indent="-457200" defTabSz="1218987">
-              <a:buFontTx/>
-              <a:buAutoNum type="arabicPeriod"/>
-            </a:pPr>
-            <a:r>
-              <a:rPr lang="en-US" sz="2400" dirty="0">
-                <a:solidFill>
-                  <a:prstClr val="black"/>
-                </a:solidFill>
-                <a:latin typeface="Calibri"/>
-              </a:rPr>
-              <a:t>Draft Data Source</a:t>
-            </a:r>
-          </a:p>
-          <a:p>
-            <a:pPr marL="457200" indent="-457200" defTabSz="1218987">
-              <a:buFontTx/>
-              <a:buAutoNum type="arabicPeriod"/>
-            </a:pPr>
-            <a:endParaRPr lang="en-US" sz="2400" dirty="0">
-              <a:solidFill>
-                <a:prstClr val="black"/>
-              </a:solidFill>
-              <a:latin typeface="Calibri"/>
-            </a:endParaRPr>
-          </a:p>
-          <a:p>
-            <a:pPr defTabSz="1218987"/>
-            <a:r>
-              <a:rPr lang="en-US" sz="2400" dirty="0">
-                <a:solidFill>
-                  <a:prstClr val="black"/>
-                </a:solidFill>
-                <a:latin typeface="Calibri"/>
-              </a:rPr>
-              <a:t>SAC also allows Export jobs, which means we can also bring data out of SAC which is already in a model. It will help in scenarios like when source data is by mistake removed or we want data to move back after transformation by sac to another place.</a:t>
-            </a:r>
-          </a:p>
-        </p:txBody>
-      </p:sp>
-      <p:sp>
-        <p:nvSpPr>
-          <p:cNvPr id="7" name="TextBox 6">
-            <a:extLst>
-              <a:ext uri="{FF2B5EF4-FFF2-40B4-BE49-F238E27FC236}">
-                <a16:creationId xmlns:a16="http://schemas.microsoft.com/office/drawing/2014/main" xmlns="" id="{F3603DA6-7EFA-435C-9424-1D849E01237E}"/>
-              </a:ext>
-            </a:extLst>
-          </p:cNvPr>
-          <p:cNvSpPr txBox="1"/>
-          <p:nvPr/>
-        </p:nvSpPr>
-        <p:spPr>
-          <a:xfrm>
-            <a:off x="228601" y="5008840"/>
-            <a:ext cx="11430000" cy="461665"/>
-          </a:xfrm>
-          <a:prstGeom prst="rect">
-            <a:avLst/>
-          </a:prstGeom>
-          <a:noFill/>
-        </p:spPr>
-        <p:txBody>
-          <a:bodyPr wrap="square" rtlCol="0">
-            <a:spAutoFit/>
-          </a:bodyPr>
-          <a:lstStyle/>
-          <a:p>
-            <a:pPr defTabSz="1218987"/>
-            <a:r>
-              <a:rPr lang="en-US" sz="2400" dirty="0">
-                <a:solidFill>
-                  <a:prstClr val="black"/>
-                </a:solidFill>
-                <a:latin typeface="Calibri"/>
-              </a:rPr>
-              <a:t>Update data available </a:t>
-            </a:r>
-            <a:r>
-              <a:rPr lang="en-US" sz="2400" dirty="0">
-                <a:solidFill>
-                  <a:prstClr val="black"/>
-                </a:solidFill>
-                <a:latin typeface="Calibri"/>
-                <a:hlinkClick r:id="rId3"/>
-              </a:rPr>
-              <a:t>here</a:t>
-            </a:r>
-            <a:endParaRPr lang="en-US" sz="2400" dirty="0">
-              <a:solidFill>
-                <a:prstClr val="black"/>
-              </a:solidFill>
-              <a:latin typeface="Calibri"/>
-            </a:endParaRPr>
-          </a:p>
-        </p:txBody>
-      </p:sp>
-    </p:spTree>
-    <p:extLst>
-      <p:ext uri="{BB962C8B-B14F-4D97-AF65-F5344CB8AC3E}">
-        <p14:creationId xmlns:p14="http://schemas.microsoft.com/office/powerpoint/2010/main" val="572030217"/>
-      </p:ext>
-    </p:extLst>
-  </p:cSld>
-  <p:clrMapOvr>
-    <a:masterClrMapping/>
-  </p:clrMapOvr>
-  <p:transition spd="slow">
-    <p:push dir="u"/>
-  </p:transition>
-</p:sld>
-</file>
-
-<file path=ppt/slides/slide7.xml><?xml version="1.0" encoding="utf-8"?>
-<p:sld xmlns:a="http://schemas.openxmlformats.org/drawingml/2006/main" xmlns:r="http://schemas.openxmlformats.org/officeDocument/2006/relationships" xmlns:p="http://schemas.openxmlformats.org/presentationml/2006/main">
-  <p:cSld>
-    <p:spTree>
-      <p:nvGrpSpPr>
-        <p:cNvPr id="1" name=""/>
-        <p:cNvGrpSpPr/>
-        <p:nvPr/>
-      </p:nvGrpSpPr>
-      <p:grpSpPr>
-        <a:xfrm>
-          <a:off x="0" y="0"/>
-          <a:ext cx="0" cy="0"/>
-          <a:chOff x="0" y="0"/>
-          <a:chExt cx="0" cy="0"/>
-        </a:xfrm>
-      </p:grpSpPr>
-      <p:sp>
-        <p:nvSpPr>
-          <p:cNvPr id="2" name="Title 3">
-            <a:extLst>
-              <a:ext uri="{FF2B5EF4-FFF2-40B4-BE49-F238E27FC236}">
-                <a16:creationId xmlns:a16="http://schemas.microsoft.com/office/drawing/2014/main" xmlns="" id="{F07FC580-E2AB-4C55-8C95-D5E077A1D127}"/>
-              </a:ext>
-            </a:extLst>
-          </p:cNvPr>
-          <p:cNvSpPr txBox="1">
-            <a:spLocks/>
-          </p:cNvSpPr>
-          <p:nvPr/>
-        </p:nvSpPr>
-        <p:spPr>
-          <a:xfrm>
-            <a:off x="261764" y="188640"/>
-            <a:ext cx="11292008" cy="711081"/>
-          </a:xfrm>
-          <a:prstGeom prst="rect">
-            <a:avLst/>
-          </a:prstGeom>
-        </p:spPr>
-        <p:txBody>
-          <a:bodyPr/>
-          <a:lstStyle>
-            <a:lvl1pPr algn="l" defTabSz="914400" rtl="0" eaLnBrk="1" latinLnBrk="0" hangingPunct="1">
-              <a:lnSpc>
-                <a:spcPct val="90000"/>
-              </a:lnSpc>
-              <a:spcBef>
-                <a:spcPct val="0"/>
-              </a:spcBef>
-              <a:buNone/>
-              <a:defRPr sz="4400" kern="1200">
-                <a:solidFill>
-                  <a:schemeClr val="tx1"/>
-                </a:solidFill>
-                <a:latin typeface="+mj-lt"/>
-                <a:ea typeface="+mj-ea"/>
-                <a:cs typeface="+mj-cs"/>
-              </a:defRPr>
-            </a:lvl1pPr>
-          </a:lstStyle>
-          <a:p>
-            <a:endParaRPr lang="en-US" b="1" dirty="0"/>
-          </a:p>
-        </p:txBody>
-      </p:sp>
-      <p:sp>
-        <p:nvSpPr>
-          <p:cNvPr id="7" name="TextBox 6">
-            <a:extLst>
-              <a:ext uri="{FF2B5EF4-FFF2-40B4-BE49-F238E27FC236}">
-                <a16:creationId xmlns:a16="http://schemas.microsoft.com/office/drawing/2014/main" xmlns="" id="{17EB74BE-8011-4153-8F37-3BEF9C1F4CC0}"/>
-              </a:ext>
-            </a:extLst>
-          </p:cNvPr>
-          <p:cNvSpPr txBox="1"/>
-          <p:nvPr/>
-        </p:nvSpPr>
-        <p:spPr>
-          <a:xfrm>
-            <a:off x="3512128" y="2507734"/>
-            <a:ext cx="6174508" cy="1323439"/>
-          </a:xfrm>
-          <a:prstGeom prst="rect">
-            <a:avLst/>
-          </a:prstGeom>
-          <a:noFill/>
-        </p:spPr>
-        <p:txBody>
-          <a:bodyPr wrap="square">
-            <a:spAutoFit/>
-          </a:bodyPr>
-          <a:lstStyle/>
-          <a:p>
-            <a:r>
-              <a:rPr lang="en-US" sz="8000" b="1" dirty="0"/>
-              <a:t>End of Day 3</a:t>
-            </a:r>
-          </a:p>
-        </p:txBody>
-      </p:sp>
-    </p:spTree>
-    <p:extLst>
-      <p:ext uri="{BB962C8B-B14F-4D97-AF65-F5344CB8AC3E}">
-        <p14:creationId xmlns:p14="http://schemas.microsoft.com/office/powerpoint/2010/main" val="3867772902"/>
-      </p:ext>
-    </p:extLst>
-  </p:cSld>
-  <p:clrMapOvr>
-    <a:masterClrMapping/>
-  </p:clrMapOvr>
-</p:sld>
-</file>
-
-<file path=ppt/slides/slide8.xml><?xml version="1.0" encoding="utf-8"?>
-<p:sld xmlns:a="http://schemas.openxmlformats.org/drawingml/2006/main" xmlns:r="http://schemas.openxmlformats.org/officeDocument/2006/relationships" xmlns:p="http://schemas.openxmlformats.org/presentationml/2006/main">
-  <p:cSld>
-    <p:spTree>
-      <p:nvGrpSpPr>
-        <p:cNvPr id="1" name=""/>
-        <p:cNvGrpSpPr/>
-        <p:nvPr/>
-      </p:nvGrpSpPr>
-      <p:grpSpPr>
-        <a:xfrm>
-          <a:off x="0" y="0"/>
-          <a:ext cx="0" cy="0"/>
-          <a:chOff x="0" y="0"/>
-          <a:chExt cx="0" cy="0"/>
-        </a:xfrm>
-      </p:grpSpPr>
-      <p:sp>
-        <p:nvSpPr>
-          <p:cNvPr id="2" name="Title 1">
-            <a:extLst>
-              <a:ext uri="{FF2B5EF4-FFF2-40B4-BE49-F238E27FC236}">
-                <a16:creationId xmlns:a16="http://schemas.microsoft.com/office/drawing/2014/main" xmlns="" id="{29CB9E00-0397-4178-9E57-32DC82D3A8F7}"/>
-              </a:ext>
-            </a:extLst>
-          </p:cNvPr>
-          <p:cNvSpPr>
-            <a:spLocks noGrp="1"/>
-          </p:cNvSpPr>
-          <p:nvPr>
-            <p:ph type="title"/>
-          </p:nvPr>
-        </p:nvSpPr>
-        <p:spPr/>
-        <p:txBody>
-          <a:bodyPr/>
-          <a:lstStyle/>
-          <a:p>
-            <a:endParaRPr lang="en-US"/>
-          </a:p>
-        </p:txBody>
-      </p:sp>
-      <p:sp>
-        <p:nvSpPr>
-          <p:cNvPr id="3" name="Content Placeholder 2">
-            <a:extLst>
-              <a:ext uri="{FF2B5EF4-FFF2-40B4-BE49-F238E27FC236}">
-                <a16:creationId xmlns:a16="http://schemas.microsoft.com/office/drawing/2014/main" xmlns="" id="{73A078A5-4F35-4958-8384-CBBBD3DED2C3}"/>
-              </a:ext>
-            </a:extLst>
-          </p:cNvPr>
-          <p:cNvSpPr>
-            <a:spLocks noGrp="1"/>
-          </p:cNvSpPr>
-          <p:nvPr>
-            <p:ph sz="quarter" idx="13"/>
-          </p:nvPr>
-        </p:nvSpPr>
-        <p:spPr/>
-        <p:txBody>
-          <a:bodyPr/>
-          <a:lstStyle/>
-          <a:p>
-            <a:endParaRPr lang="en-US"/>
-          </a:p>
-        </p:txBody>
-      </p:sp>
-    </p:spTree>
-    <p:extLst>
-      <p:ext uri="{BB962C8B-B14F-4D97-AF65-F5344CB8AC3E}">
-        <p14:creationId xmlns:p14="http://schemas.microsoft.com/office/powerpoint/2010/main" val="3265325021"/>
-      </p:ext>
-    </p:extLst>
-  </p:cSld>
-  <p:clrMapOvr>
-    <a:masterClrMapping/>
-  </p:clrMapOvr>
-</p:sld>
-</file>
-
-<file path=ppt/slides/slide9.xml><?xml version="1.0" encoding="utf-8"?>
-<p:sld xmlns:a="http://schemas.openxmlformats.org/drawingml/2006/main" xmlns:r="http://schemas.openxmlformats.org/officeDocument/2006/relationships" xmlns:p="http://schemas.openxmlformats.org/presentationml/2006/main">
-  <p:cSld>
-    <p:spTree>
-      <p:nvGrpSpPr>
-        <p:cNvPr id="1" name=""/>
-        <p:cNvGrpSpPr/>
-        <p:nvPr/>
-      </p:nvGrpSpPr>
-      <p:grpSpPr>
-        <a:xfrm>
-          <a:off x="0" y="0"/>
-          <a:ext cx="0" cy="0"/>
-          <a:chOff x="0" y="0"/>
-          <a:chExt cx="0" cy="0"/>
-        </a:xfrm>
-      </p:grpSpPr>
-      <p:pic>
-        <p:nvPicPr>
-          <p:cNvPr id="1028" name="Picture 4" descr="Free Vector | Flat people with question marks background">
-            <a:extLst>
-              <a:ext uri="{FF2B5EF4-FFF2-40B4-BE49-F238E27FC236}">
-                <a16:creationId xmlns:a16="http://schemas.microsoft.com/office/drawing/2014/main" xmlns="" id="{E158EC70-4769-4E41-A278-C90EC4E480C7}"/>
-              </a:ext>
-            </a:extLst>
-          </p:cNvPr>
-          <p:cNvPicPr>
-            <a:picLocks noChangeAspect="1" noChangeArrowheads="1"/>
-          </p:cNvPicPr>
-          <p:nvPr/>
-        </p:nvPicPr>
-        <p:blipFill rotWithShape="1">
-          <a:blip r:embed="rId2">
-            <a:extLst>
-              <a:ext uri="{28A0092B-C50C-407E-A947-70E740481C1C}">
-                <a14:useLocalDpi xmlns:a14="http://schemas.microsoft.com/office/drawing/2010/main" val="0"/>
-              </a:ext>
-            </a:extLst>
-          </a:blip>
-          <a:srcRect t="1" b="22246"/>
-          <a:stretch/>
-        </p:blipFill>
-        <p:spPr bwMode="auto">
-          <a:xfrm>
-            <a:off x="1848418" y="639706"/>
-            <a:ext cx="7599507" cy="5908876"/>
-          </a:xfrm>
-          <a:prstGeom prst="rect">
-            <a:avLst/>
-          </a:prstGeom>
-          <a:noFill/>
-          <a:extLst>
-            <a:ext uri="{909E8E84-426E-40DD-AFC4-6F175D3DCCD1}">
-              <a14:hiddenFill xmlns:a14="http://schemas.microsoft.com/office/drawing/2010/main">
-                <a:solidFill>
-                  <a:srgbClr val="FFFFFF"/>
-                </a:solidFill>
-              </a14:hiddenFill>
-            </a:ext>
-          </a:extLst>
-        </p:spPr>
-      </p:pic>
-      <p:sp>
-        <p:nvSpPr>
-          <p:cNvPr id="2" name="TextBox 1">
-            <a:extLst>
-              <a:ext uri="{FF2B5EF4-FFF2-40B4-BE49-F238E27FC236}">
-                <a16:creationId xmlns:a16="http://schemas.microsoft.com/office/drawing/2014/main" xmlns="" id="{994C3DB2-D47E-4B94-804B-87AF1FDEF86E}"/>
-              </a:ext>
-            </a:extLst>
-          </p:cNvPr>
-          <p:cNvSpPr txBox="1"/>
-          <p:nvPr/>
-        </p:nvSpPr>
-        <p:spPr>
-          <a:xfrm>
-            <a:off x="4535055" y="1052946"/>
-            <a:ext cx="5588000" cy="769441"/>
-          </a:xfrm>
-          <a:prstGeom prst="rect">
-            <a:avLst/>
-          </a:prstGeom>
-          <a:noFill/>
-        </p:spPr>
-        <p:txBody>
-          <a:bodyPr wrap="square" rtlCol="0">
-            <a:spAutoFit/>
-          </a:bodyPr>
-          <a:lstStyle/>
-          <a:p>
-            <a:r>
-              <a:rPr lang="en-US" sz="4400" b="1" dirty="0"/>
-              <a:t>Questions</a:t>
-            </a:r>
-          </a:p>
-        </p:txBody>
-      </p:sp>
-    </p:spTree>
-    <p:extLst>
-      <p:ext uri="{BB962C8B-B14F-4D97-AF65-F5344CB8AC3E}">
-        <p14:creationId xmlns:p14="http://schemas.microsoft.com/office/powerpoint/2010/main" val="1308118299"/>
-      </p:ext>
-    </p:extLst>
-  </p:cSld>
-  <p:clrMapOvr>
-    <a:masterClrMapping/>
-  </p:clrMapOvr>
 </p:sld>
 </file>
 
